--- a/PLPTH813Bioinformatis/2025/2_lab/lab01_Excel_regex_vi.pptx
+++ b/PLPTH813Bioinformatis/2025/2_lab/lab01_Excel_regex_vi.pptx
@@ -22,18 +22,18 @@
     <p:sldId id="284" r:id="rId13"/>
     <p:sldId id="305" r:id="rId14"/>
     <p:sldId id="289" r:id="rId15"/>
-    <p:sldId id="303" r:id="rId16"/>
-    <p:sldId id="304" r:id="rId17"/>
-    <p:sldId id="293" r:id="rId18"/>
-    <p:sldId id="294" r:id="rId19"/>
-    <p:sldId id="295" r:id="rId20"/>
-    <p:sldId id="296" r:id="rId21"/>
-    <p:sldId id="297" r:id="rId22"/>
-    <p:sldId id="298" r:id="rId23"/>
-    <p:sldId id="299" r:id="rId24"/>
-    <p:sldId id="300" r:id="rId25"/>
-    <p:sldId id="301" r:id="rId26"/>
-    <p:sldId id="280" r:id="rId27"/>
+    <p:sldId id="307" r:id="rId16"/>
+    <p:sldId id="303" r:id="rId17"/>
+    <p:sldId id="304" r:id="rId18"/>
+    <p:sldId id="293" r:id="rId19"/>
+    <p:sldId id="294" r:id="rId20"/>
+    <p:sldId id="295" r:id="rId21"/>
+    <p:sldId id="296" r:id="rId22"/>
+    <p:sldId id="297" r:id="rId23"/>
+    <p:sldId id="298" r:id="rId24"/>
+    <p:sldId id="299" r:id="rId25"/>
+    <p:sldId id="300" r:id="rId26"/>
+    <p:sldId id="301" r:id="rId27"/>
   </p:sldIdLst>
   <p:sldSz cx="9144000" cy="5143500" type="screen16x9"/>
   <p:notesSz cx="6858000" cy="9144000"/>
@@ -233,7 +233,7 @@
           <a:p>
             <a:fld id="{08E6E0A8-E17C-C949-B17E-7A1A6494483A}" type="datetimeFigureOut">
               <a:rPr lang="en-US" smtClean="0"/>
-              <a:t>1/18/25</a:t>
+              <a:t>1/22/25</a:t>
             </a:fld>
             <a:endParaRPr lang="en-US"/>
           </a:p>
@@ -720,6 +720,128 @@
 </p:notes>
 </file>
 
+<file path=ppt/notesSlides/notesSlide3.xml><?xml version="1.0" encoding="utf-8"?>
+<p:notes xmlns:a="http://schemas.openxmlformats.org/drawingml/2006/main" xmlns:r="http://schemas.openxmlformats.org/officeDocument/2006/relationships" xmlns:p="http://schemas.openxmlformats.org/presentationml/2006/main">
+  <p:cSld>
+    <p:spTree>
+      <p:nvGrpSpPr>
+        <p:cNvPr id="1" name="">
+          <a:extLst>
+            <a:ext uri="{FF2B5EF4-FFF2-40B4-BE49-F238E27FC236}">
+              <a16:creationId xmlns:a16="http://schemas.microsoft.com/office/drawing/2014/main" id="{D23D9F37-282F-6CDE-FF2F-961AF773D9CD}"/>
+            </a:ext>
+          </a:extLst>
+        </p:cNvPr>
+        <p:cNvGrpSpPr/>
+        <p:nvPr/>
+      </p:nvGrpSpPr>
+      <p:grpSpPr>
+        <a:xfrm>
+          <a:off x="0" y="0"/>
+          <a:ext cx="0" cy="0"/>
+          <a:chOff x="0" y="0"/>
+          <a:chExt cx="0" cy="0"/>
+        </a:xfrm>
+      </p:grpSpPr>
+      <p:sp>
+        <p:nvSpPr>
+          <p:cNvPr id="2" name="Slide Image Placeholder 1">
+            <a:extLst>
+              <a:ext uri="{FF2B5EF4-FFF2-40B4-BE49-F238E27FC236}">
+                <a16:creationId xmlns:a16="http://schemas.microsoft.com/office/drawing/2014/main" id="{90C1502E-9AE6-7C2C-CA4E-1F826A81EB98}"/>
+              </a:ext>
+            </a:extLst>
+          </p:cNvPr>
+          <p:cNvSpPr>
+            <a:spLocks noGrp="1" noRot="1" noChangeAspect="1"/>
+          </p:cNvSpPr>
+          <p:nvPr>
+            <p:ph type="sldImg"/>
+          </p:nvPr>
+        </p:nvSpPr>
+        <p:spPr>
+          <a:xfrm>
+            <a:off x="381000" y="685800"/>
+            <a:ext cx="6096000" cy="3429000"/>
+          </a:xfrm>
+        </p:spPr>
+      </p:sp>
+      <p:sp>
+        <p:nvSpPr>
+          <p:cNvPr id="3" name="Notes Placeholder 2">
+            <a:extLst>
+              <a:ext uri="{FF2B5EF4-FFF2-40B4-BE49-F238E27FC236}">
+                <a16:creationId xmlns:a16="http://schemas.microsoft.com/office/drawing/2014/main" id="{F06F6FDA-2126-F84F-277C-BBEDB34C8553}"/>
+              </a:ext>
+            </a:extLst>
+          </p:cNvPr>
+          <p:cNvSpPr>
+            <a:spLocks noGrp="1"/>
+          </p:cNvSpPr>
+          <p:nvPr>
+            <p:ph type="body" idx="1"/>
+          </p:nvPr>
+        </p:nvSpPr>
+        <p:spPr/>
+        <p:txBody>
+          <a:bodyPr/>
+          <a:lstStyle/>
+          <a:p>
+            <a:r>
+              <a:rPr lang="en-US" dirty="0"/>
+              <a:t>201[2-4]</a:t>
+            </a:r>
+          </a:p>
+          <a:p>
+            <a:r>
+              <a:rPr lang="en-US" dirty="0"/>
+              <a:t>A{10,}$</a:t>
+            </a:r>
+          </a:p>
+        </p:txBody>
+      </p:sp>
+      <p:sp>
+        <p:nvSpPr>
+          <p:cNvPr id="4" name="Slide Number Placeholder 3">
+            <a:extLst>
+              <a:ext uri="{FF2B5EF4-FFF2-40B4-BE49-F238E27FC236}">
+                <a16:creationId xmlns:a16="http://schemas.microsoft.com/office/drawing/2014/main" id="{62270F67-C1A3-775F-EF06-1D44B9D253B7}"/>
+              </a:ext>
+            </a:extLst>
+          </p:cNvPr>
+          <p:cNvSpPr>
+            <a:spLocks noGrp="1"/>
+          </p:cNvSpPr>
+          <p:nvPr>
+            <p:ph type="sldNum" sz="quarter" idx="10"/>
+          </p:nvPr>
+        </p:nvSpPr>
+        <p:spPr/>
+        <p:txBody>
+          <a:bodyPr/>
+          <a:lstStyle/>
+          <a:p>
+            <a:fld id="{DC2B8C24-ACAE-AE41-B565-178ED93271F0}" type="slidenum">
+              <a:rPr lang="en-US" smtClean="0"/>
+              <a:t>15</a:t>
+            </a:fld>
+            <a:endParaRPr lang="en-US"/>
+          </a:p>
+        </p:txBody>
+      </p:sp>
+    </p:spTree>
+    <p:extLst>
+      <p:ext uri="{BB962C8B-B14F-4D97-AF65-F5344CB8AC3E}">
+        <p14:creationId xmlns:p14="http://schemas.microsoft.com/office/powerpoint/2010/main" val="2625244340"/>
+      </p:ext>
+    </p:extLst>
+  </p:cSld>
+  <p:clrMapOvr>
+    <a:masterClrMapping/>
+  </p:clrMapOvr>
+</p:notes>
+</file>
+
 <file path=ppt/slideLayouts/slideLayout1.xml><?xml version="1.0" encoding="utf-8"?>
 <p:sldLayout xmlns:a="http://schemas.openxmlformats.org/drawingml/2006/main" xmlns:r="http://schemas.openxmlformats.org/officeDocument/2006/relationships" xmlns:p="http://schemas.openxmlformats.org/presentationml/2006/main" type="title" preserve="1">
   <p:cSld name="Title Slide">
@@ -899,7 +1021,7 @@
           <a:p>
             <a:fld id="{42B8B0BE-C8D7-EB48-AD68-71DB5002F24B}" type="datetimeFigureOut">
               <a:rPr lang="en-US" smtClean="0"/>
-              <a:t>1/18/25</a:t>
+              <a:t>1/22/25</a:t>
             </a:fld>
             <a:endParaRPr lang="en-US"/>
           </a:p>
@@ -1067,7 +1189,7 @@
           <a:p>
             <a:fld id="{42B8B0BE-C8D7-EB48-AD68-71DB5002F24B}" type="datetimeFigureOut">
               <a:rPr lang="en-US" smtClean="0"/>
-              <a:t>1/18/25</a:t>
+              <a:t>1/22/25</a:t>
             </a:fld>
             <a:endParaRPr lang="en-US"/>
           </a:p>
@@ -1245,7 +1367,7 @@
           <a:p>
             <a:fld id="{42B8B0BE-C8D7-EB48-AD68-71DB5002F24B}" type="datetimeFigureOut">
               <a:rPr lang="en-US" smtClean="0"/>
-              <a:t>1/18/25</a:t>
+              <a:t>1/22/25</a:t>
             </a:fld>
             <a:endParaRPr lang="en-US"/>
           </a:p>
@@ -1413,7 +1535,7 @@
           <a:p>
             <a:fld id="{42B8B0BE-C8D7-EB48-AD68-71DB5002F24B}" type="datetimeFigureOut">
               <a:rPr lang="en-US" smtClean="0"/>
-              <a:t>1/18/25</a:t>
+              <a:t>1/22/25</a:t>
             </a:fld>
             <a:endParaRPr lang="en-US"/>
           </a:p>
@@ -1658,7 +1780,7 @@
           <a:p>
             <a:fld id="{42B8B0BE-C8D7-EB48-AD68-71DB5002F24B}" type="datetimeFigureOut">
               <a:rPr lang="en-US" smtClean="0"/>
-              <a:t>1/18/25</a:t>
+              <a:t>1/22/25</a:t>
             </a:fld>
             <a:endParaRPr lang="en-US"/>
           </a:p>
@@ -1943,7 +2065,7 @@
           <a:p>
             <a:fld id="{42B8B0BE-C8D7-EB48-AD68-71DB5002F24B}" type="datetimeFigureOut">
               <a:rPr lang="en-US" smtClean="0"/>
-              <a:t>1/18/25</a:t>
+              <a:t>1/22/25</a:t>
             </a:fld>
             <a:endParaRPr lang="en-US"/>
           </a:p>
@@ -2362,7 +2484,7 @@
           <a:p>
             <a:fld id="{42B8B0BE-C8D7-EB48-AD68-71DB5002F24B}" type="datetimeFigureOut">
               <a:rPr lang="en-US" smtClean="0"/>
-              <a:t>1/18/25</a:t>
+              <a:t>1/22/25</a:t>
             </a:fld>
             <a:endParaRPr lang="en-US"/>
           </a:p>
@@ -2479,7 +2601,7 @@
           <a:p>
             <a:fld id="{42B8B0BE-C8D7-EB48-AD68-71DB5002F24B}" type="datetimeFigureOut">
               <a:rPr lang="en-US" smtClean="0"/>
-              <a:t>1/18/25</a:t>
+              <a:t>1/22/25</a:t>
             </a:fld>
             <a:endParaRPr lang="en-US"/>
           </a:p>
@@ -2574,7 +2696,7 @@
           <a:p>
             <a:fld id="{42B8B0BE-C8D7-EB48-AD68-71DB5002F24B}" type="datetimeFigureOut">
               <a:rPr lang="en-US" smtClean="0"/>
-              <a:t>1/18/25</a:t>
+              <a:t>1/22/25</a:t>
             </a:fld>
             <a:endParaRPr lang="en-US"/>
           </a:p>
@@ -2849,7 +2971,7 @@
           <a:p>
             <a:fld id="{42B8B0BE-C8D7-EB48-AD68-71DB5002F24B}" type="datetimeFigureOut">
               <a:rPr lang="en-US" smtClean="0"/>
-              <a:t>1/18/25</a:t>
+              <a:t>1/22/25</a:t>
             </a:fld>
             <a:endParaRPr lang="en-US"/>
           </a:p>
@@ -3101,7 +3223,7 @@
           <a:p>
             <a:fld id="{42B8B0BE-C8D7-EB48-AD68-71DB5002F24B}" type="datetimeFigureOut">
               <a:rPr lang="en-US" smtClean="0"/>
-              <a:t>1/18/25</a:t>
+              <a:t>1/22/25</a:t>
             </a:fld>
             <a:endParaRPr lang="en-US"/>
           </a:p>
@@ -3312,7 +3434,7 @@
           <a:p>
             <a:fld id="{42B8B0BE-C8D7-EB48-AD68-71DB5002F24B}" type="datetimeFigureOut">
               <a:rPr lang="en-US" smtClean="0"/>
-              <a:t>1/18/25</a:t>
+              <a:t>1/22/25</a:t>
             </a:fld>
             <a:endParaRPr lang="en-US"/>
           </a:p>
@@ -3767,7 +3889,7 @@
           <a:p>
             <a:r>
               <a:rPr lang="en-US" sz="2800" dirty="0"/>
-              <a:t>1/19/2023</a:t>
+              <a:t>1/23/2025</a:t>
             </a:r>
           </a:p>
         </p:txBody>
@@ -6634,6 +6756,235 @@
   <p:cSld>
     <p:spTree>
       <p:nvGrpSpPr>
+        <p:cNvPr id="1" name="">
+          <a:extLst>
+            <a:ext uri="{FF2B5EF4-FFF2-40B4-BE49-F238E27FC236}">
+              <a16:creationId xmlns:a16="http://schemas.microsoft.com/office/drawing/2014/main" id="{212CAEE1-8A53-266B-E20E-E5E6ADD6242A}"/>
+            </a:ext>
+          </a:extLst>
+        </p:cNvPr>
+        <p:cNvGrpSpPr/>
+        <p:nvPr/>
+      </p:nvGrpSpPr>
+      <p:grpSpPr>
+        <a:xfrm>
+          <a:off x="0" y="0"/>
+          <a:ext cx="0" cy="0"/>
+          <a:chOff x="0" y="0"/>
+          <a:chExt cx="0" cy="0"/>
+        </a:xfrm>
+      </p:grpSpPr>
+      <p:sp>
+        <p:nvSpPr>
+          <p:cNvPr id="2" name="Title 1">
+            <a:extLst>
+              <a:ext uri="{FF2B5EF4-FFF2-40B4-BE49-F238E27FC236}">
+                <a16:creationId xmlns:a16="http://schemas.microsoft.com/office/drawing/2014/main" id="{85738EF0-28CA-F40D-FA9C-366D7818FC2D}"/>
+              </a:ext>
+            </a:extLst>
+          </p:cNvPr>
+          <p:cNvSpPr>
+            <a:spLocks noGrp="1"/>
+          </p:cNvSpPr>
+          <p:nvPr>
+            <p:ph type="title"/>
+          </p:nvPr>
+        </p:nvSpPr>
+        <p:spPr/>
+        <p:txBody>
+          <a:bodyPr>
+            <a:normAutofit/>
+          </a:bodyPr>
+          <a:lstStyle/>
+          <a:p>
+            <a:r>
+              <a:rPr lang="en-US" sz="3200" dirty="0"/>
+              <a:t>Problem 3</a:t>
+            </a:r>
+          </a:p>
+        </p:txBody>
+      </p:sp>
+      <p:sp>
+        <p:nvSpPr>
+          <p:cNvPr id="18" name="Slide Number Placeholder 17">
+            <a:extLst>
+              <a:ext uri="{FF2B5EF4-FFF2-40B4-BE49-F238E27FC236}">
+                <a16:creationId xmlns:a16="http://schemas.microsoft.com/office/drawing/2014/main" id="{A8A874E0-9A0C-0E9F-333D-DD01E246CDDE}"/>
+              </a:ext>
+            </a:extLst>
+          </p:cNvPr>
+          <p:cNvSpPr>
+            <a:spLocks noGrp="1"/>
+          </p:cNvSpPr>
+          <p:nvPr>
+            <p:ph type="sldNum" sz="quarter" idx="12"/>
+          </p:nvPr>
+        </p:nvSpPr>
+        <p:spPr>
+          <a:xfrm>
+            <a:off x="6227830" y="5410964"/>
+            <a:ext cx="2133600" cy="365125"/>
+          </a:xfrm>
+        </p:spPr>
+        <p:txBody>
+          <a:bodyPr/>
+          <a:lstStyle/>
+          <a:p>
+            <a:fld id="{9DA039C4-C5F2-1743-BB7A-5D831266C61E}" type="slidenum">
+              <a:rPr lang="en-US" smtClean="0"/>
+              <a:t>15</a:t>
+            </a:fld>
+            <a:endParaRPr lang="en-US" dirty="0"/>
+          </a:p>
+        </p:txBody>
+      </p:sp>
+      <p:sp>
+        <p:nvSpPr>
+          <p:cNvPr id="5" name="TextBox 4">
+            <a:extLst>
+              <a:ext uri="{FF2B5EF4-FFF2-40B4-BE49-F238E27FC236}">
+                <a16:creationId xmlns:a16="http://schemas.microsoft.com/office/drawing/2014/main" id="{111664E7-3E65-EE67-DD0A-7CFA1DDE7627}"/>
+              </a:ext>
+            </a:extLst>
+          </p:cNvPr>
+          <p:cNvSpPr txBox="1"/>
+          <p:nvPr/>
+        </p:nvSpPr>
+        <p:spPr>
+          <a:xfrm>
+            <a:off x="1330914" y="944984"/>
+            <a:ext cx="6307374" cy="1384995"/>
+          </a:xfrm>
+          <a:prstGeom prst="rect">
+            <a:avLst/>
+          </a:prstGeom>
+          <a:noFill/>
+        </p:spPr>
+        <p:txBody>
+          <a:bodyPr wrap="square" rtlCol="0">
+            <a:spAutoFit/>
+          </a:bodyPr>
+          <a:lstStyle/>
+          <a:p>
+            <a:r>
+              <a:rPr lang="en-US" sz="1200" dirty="0">
+                <a:latin typeface="Courier New" panose="02070309020205020404" pitchFamily="49" charset="0"/>
+                <a:cs typeface="Courier New" panose="02070309020205020404" pitchFamily="49" charset="0"/>
+              </a:rPr>
+              <a:t>&gt;s1</a:t>
+            </a:r>
+          </a:p>
+          <a:p>
+            <a:r>
+              <a:rPr lang="en-US" sz="1200" dirty="0">
+                <a:latin typeface="Courier New" panose="02070309020205020404" pitchFamily="49" charset="0"/>
+                <a:cs typeface="Courier New" panose="02070309020205020404" pitchFamily="49" charset="0"/>
+              </a:rPr>
+              <a:t>CCGTCAACGTGTCTGGGACCCAATACGTGTAGTTCTTACAACAAGACACCCCTATCGTTCGCCCCTAGGTTGTTTGCAGTCCCGG</a:t>
+            </a:r>
+          </a:p>
+          <a:p>
+            <a:r>
+              <a:rPr lang="en-US" sz="1200" dirty="0">
+                <a:latin typeface="Courier New" panose="02070309020205020404" pitchFamily="49" charset="0"/>
+                <a:cs typeface="Courier New" panose="02070309020205020404" pitchFamily="49" charset="0"/>
+              </a:rPr>
+              <a:t>&gt;s2</a:t>
+            </a:r>
+          </a:p>
+          <a:p>
+            <a:r>
+              <a:rPr lang="en-US" sz="1200" dirty="0">
+                <a:latin typeface="Courier New" panose="02070309020205020404" pitchFamily="49" charset="0"/>
+                <a:cs typeface="Courier New" panose="02070309020205020404" pitchFamily="49" charset="0"/>
+              </a:rPr>
+              <a:t>TCCCGGGTACCAGTTCGCACTAGATGGCCGATAAAGCCCAGTAGAAAGCCGGCGCGGGCCGGACTC</a:t>
+            </a:r>
+          </a:p>
+          <a:p>
+            <a:r>
+              <a:rPr lang="en-US" sz="1200" dirty="0">
+                <a:latin typeface="Courier New" panose="02070309020205020404" pitchFamily="49" charset="0"/>
+                <a:cs typeface="Courier New" panose="02070309020205020404" pitchFamily="49" charset="0"/>
+              </a:rPr>
+              <a:t>&gt;s3</a:t>
+            </a:r>
+          </a:p>
+          <a:p>
+            <a:r>
+              <a:rPr lang="en-US" sz="1200" dirty="0">
+                <a:latin typeface="Courier New" panose="02070309020205020404" pitchFamily="49" charset="0"/>
+                <a:cs typeface="Courier New" panose="02070309020205020404" pitchFamily="49" charset="0"/>
+              </a:rPr>
+              <a:t>TCGGTGCAAAAGCCCGTACAGGGCCCCGTCGGTGTACATAATTCGCTTGTTTTGACT</a:t>
+            </a:r>
+          </a:p>
+        </p:txBody>
+      </p:sp>
+      <p:sp>
+        <p:nvSpPr>
+          <p:cNvPr id="22" name="TextBox 21">
+            <a:extLst>
+              <a:ext uri="{FF2B5EF4-FFF2-40B4-BE49-F238E27FC236}">
+                <a16:creationId xmlns:a16="http://schemas.microsoft.com/office/drawing/2014/main" id="{F410BF41-465B-456F-9C68-E4A4DFECEA2B}"/>
+              </a:ext>
+            </a:extLst>
+          </p:cNvPr>
+          <p:cNvSpPr txBox="1"/>
+          <p:nvPr/>
+        </p:nvSpPr>
+        <p:spPr>
+          <a:xfrm>
+            <a:off x="1067294" y="2939939"/>
+            <a:ext cx="6863602" cy="461665"/>
+          </a:xfrm>
+          <a:prstGeom prst="rect">
+            <a:avLst/>
+          </a:prstGeom>
+          <a:noFill/>
+        </p:spPr>
+        <p:txBody>
+          <a:bodyPr wrap="square" rtlCol="0">
+            <a:spAutoFit/>
+          </a:bodyPr>
+          <a:lstStyle/>
+          <a:p>
+            <a:r>
+              <a:rPr lang="en-US" sz="2400" dirty="0">
+                <a:solidFill>
+                  <a:srgbClr val="008000"/>
+                </a:solidFill>
+              </a:rPr>
+              <a:t>Problem 3: search for sequence(s) starting with TCC </a:t>
+            </a:r>
+            <a:endParaRPr lang="en-US" sz="2400" dirty="0">
+              <a:solidFill>
+                <a:schemeClr val="bg1">
+                  <a:lumMod val="50000"/>
+                </a:schemeClr>
+              </a:solidFill>
+            </a:endParaRPr>
+          </a:p>
+        </p:txBody>
+      </p:sp>
+    </p:spTree>
+    <p:extLst>
+      <p:ext uri="{BB962C8B-B14F-4D97-AF65-F5344CB8AC3E}">
+        <p14:creationId xmlns:p14="http://schemas.microsoft.com/office/powerpoint/2010/main" val="3015140654"/>
+      </p:ext>
+    </p:extLst>
+  </p:cSld>
+  <p:clrMapOvr>
+    <a:masterClrMapping/>
+  </p:clrMapOvr>
+</p:sld>
+</file>
+
+<file path=ppt/slides/slide16.xml><?xml version="1.0" encoding="utf-8"?>
+<p:sld xmlns:a="http://schemas.openxmlformats.org/drawingml/2006/main" xmlns:r="http://schemas.openxmlformats.org/officeDocument/2006/relationships" xmlns:p="http://schemas.openxmlformats.org/presentationml/2006/main">
+  <p:cSld>
+    <p:spTree>
+      <p:nvGrpSpPr>
         <p:cNvPr id="1" name=""/>
         <p:cNvGrpSpPr/>
         <p:nvPr/>
@@ -6658,7 +7009,7 @@
         </p:nvSpPr>
         <p:spPr>
           <a:xfrm>
-            <a:off x="457200" y="-582612"/>
+            <a:off x="457200" y="241171"/>
             <a:ext cx="8229600" cy="924806"/>
           </a:xfrm>
         </p:spPr>
@@ -6685,7 +7036,7 @@
         </p:nvSpPr>
         <p:spPr>
           <a:xfrm>
-            <a:off x="966732" y="869862"/>
+            <a:off x="983207" y="1165977"/>
             <a:ext cx="6873970" cy="2590889"/>
           </a:xfrm>
         </p:spPr>
@@ -6753,7 +7104,7 @@
 </p:sld>
 </file>
 
-<file path=ppt/slides/slide16.xml><?xml version="1.0" encoding="utf-8"?>
+<file path=ppt/slides/slide17.xml><?xml version="1.0" encoding="utf-8"?>
 <p:sld xmlns:a="http://schemas.openxmlformats.org/drawingml/2006/main" xmlns:r="http://schemas.openxmlformats.org/officeDocument/2006/relationships" xmlns:p="http://schemas.openxmlformats.org/presentationml/2006/main">
   <p:cSld>
     <p:spTree>
@@ -7023,7 +7374,7 @@
 </p:sld>
 </file>
 
-<file path=ppt/slides/slide17.xml><?xml version="1.0" encoding="utf-8"?>
+<file path=ppt/slides/slide18.xml><?xml version="1.0" encoding="utf-8"?>
 <p:sld xmlns:a="http://schemas.openxmlformats.org/drawingml/2006/main" xmlns:r="http://schemas.openxmlformats.org/officeDocument/2006/relationships" xmlns:p="http://schemas.openxmlformats.org/presentationml/2006/main">
   <p:cSld>
     <p:spTree>
@@ -7208,7 +7559,7 @@
           <a:p>
             <a:fld id="{9DA039C4-C5F2-1743-BB7A-5D831266C61E}" type="slidenum">
               <a:rPr lang="en-US" smtClean="0"/>
-              <a:t>17</a:t>
+              <a:t>18</a:t>
             </a:fld>
             <a:endParaRPr lang="en-US"/>
           </a:p>
@@ -7218,176 +7569,6 @@
     <p:extLst>
       <p:ext uri="{BB962C8B-B14F-4D97-AF65-F5344CB8AC3E}">
         <p14:creationId xmlns:p14="http://schemas.microsoft.com/office/powerpoint/2010/main" val="3189971127"/>
-      </p:ext>
-    </p:extLst>
-  </p:cSld>
-  <p:clrMapOvr>
-    <a:masterClrMapping/>
-  </p:clrMapOvr>
-</p:sld>
-</file>
-
-<file path=ppt/slides/slide18.xml><?xml version="1.0" encoding="utf-8"?>
-<p:sld xmlns:a="http://schemas.openxmlformats.org/drawingml/2006/main" xmlns:r="http://schemas.openxmlformats.org/officeDocument/2006/relationships" xmlns:p="http://schemas.openxmlformats.org/presentationml/2006/main">
-  <p:cSld>
-    <p:spTree>
-      <p:nvGrpSpPr>
-        <p:cNvPr id="1" name=""/>
-        <p:cNvGrpSpPr/>
-        <p:nvPr/>
-      </p:nvGrpSpPr>
-      <p:grpSpPr>
-        <a:xfrm>
-          <a:off x="0" y="0"/>
-          <a:ext cx="0" cy="0"/>
-          <a:chOff x="0" y="0"/>
-          <a:chExt cx="0" cy="0"/>
-        </a:xfrm>
-      </p:grpSpPr>
-      <p:sp>
-        <p:nvSpPr>
-          <p:cNvPr id="2" name="Title 1"/>
-          <p:cNvSpPr>
-            <a:spLocks noGrp="1"/>
-          </p:cNvSpPr>
-          <p:nvPr>
-            <p:ph type="title"/>
-          </p:nvPr>
-        </p:nvSpPr>
-        <p:spPr>
-          <a:xfrm>
-            <a:off x="457200" y="141133"/>
-            <a:ext cx="8229600" cy="772987"/>
-          </a:xfrm>
-        </p:spPr>
-        <p:txBody>
-          <a:bodyPr/>
-          <a:lstStyle/>
-          <a:p>
-            <a:r>
-              <a:rPr lang="en-US" dirty="0"/>
-              <a:t>modes</a:t>
-            </a:r>
-          </a:p>
-        </p:txBody>
-      </p:sp>
-      <p:sp>
-        <p:nvSpPr>
-          <p:cNvPr id="3" name="Content Placeholder 2"/>
-          <p:cNvSpPr>
-            <a:spLocks noGrp="1"/>
-          </p:cNvSpPr>
-          <p:nvPr>
-            <p:ph idx="1"/>
-          </p:nvPr>
-        </p:nvSpPr>
-        <p:spPr>
-          <a:xfrm>
-            <a:off x="457200" y="1300833"/>
-            <a:ext cx="8229600" cy="2693235"/>
-          </a:xfrm>
-        </p:spPr>
-        <p:txBody>
-          <a:bodyPr>
-            <a:normAutofit/>
-          </a:bodyPr>
-          <a:lstStyle/>
-          <a:p>
-            <a:r>
-              <a:rPr lang="en-US" i="1" dirty="0"/>
-              <a:t>vi</a:t>
-            </a:r>
-            <a:r>
-              <a:rPr lang="en-US" dirty="0"/>
-              <a:t> has two modes:</a:t>
-            </a:r>
-          </a:p>
-          <a:p>
-            <a:pPr indent="0">
-              <a:buAutoNum type="arabicPeriod"/>
-            </a:pPr>
-            <a:r>
-              <a:rPr lang="en-US" dirty="0"/>
-              <a:t> insert mode (edit as other text editors)</a:t>
-            </a:r>
-          </a:p>
-          <a:p>
-            <a:pPr indent="0">
-              <a:buAutoNum type="arabicPeriod"/>
-            </a:pPr>
-            <a:r>
-              <a:rPr lang="en-US" dirty="0"/>
-              <a:t> command mode (commands that control the edit session).</a:t>
-            </a:r>
-          </a:p>
-          <a:p>
-            <a:pPr indent="0">
-              <a:buNone/>
-            </a:pPr>
-            <a:endParaRPr lang="en-US" dirty="0">
-              <a:solidFill>
-                <a:srgbClr val="FF0000"/>
-              </a:solidFill>
-            </a:endParaRPr>
-          </a:p>
-          <a:p>
-            <a:pPr indent="0">
-              <a:buNone/>
-            </a:pPr>
-            <a:r>
-              <a:rPr lang="en-US" dirty="0">
-                <a:solidFill>
-                  <a:srgbClr val="FF0000"/>
-                </a:solidFill>
-              </a:rPr>
-              <a:t>switch modes by using “</a:t>
-            </a:r>
-            <a:r>
-              <a:rPr lang="en-US" dirty="0" err="1">
-                <a:solidFill>
-                  <a:srgbClr val="FF0000"/>
-                </a:solidFill>
-              </a:rPr>
-              <a:t>i</a:t>
-            </a:r>
-            <a:r>
-              <a:rPr lang="en-US" dirty="0">
-                <a:solidFill>
-                  <a:srgbClr val="FF0000"/>
-                </a:solidFill>
-              </a:rPr>
-              <a:t>” and “ESC” key</a:t>
-            </a:r>
-          </a:p>
-        </p:txBody>
-      </p:sp>
-      <p:sp>
-        <p:nvSpPr>
-          <p:cNvPr id="4" name="Slide Number Placeholder 3"/>
-          <p:cNvSpPr>
-            <a:spLocks noGrp="1"/>
-          </p:cNvSpPr>
-          <p:nvPr>
-            <p:ph type="sldNum" sz="quarter" idx="12"/>
-          </p:nvPr>
-        </p:nvSpPr>
-        <p:spPr/>
-        <p:txBody>
-          <a:bodyPr/>
-          <a:lstStyle/>
-          <a:p>
-            <a:fld id="{9DA039C4-C5F2-1743-BB7A-5D831266C61E}" type="slidenum">
-              <a:rPr lang="en-US" smtClean="0"/>
-              <a:t>18</a:t>
-            </a:fld>
-            <a:endParaRPr lang="en-US"/>
-          </a:p>
-        </p:txBody>
-      </p:sp>
-    </p:spTree>
-    <p:extLst>
-      <p:ext uri="{BB962C8B-B14F-4D97-AF65-F5344CB8AC3E}">
-        <p14:creationId xmlns:p14="http://schemas.microsoft.com/office/powerpoint/2010/main" val="2722021501"/>
       </p:ext>
     </p:extLst>
   </p:cSld>
@@ -7424,14 +7605,19 @@
             <p:ph type="title"/>
           </p:nvPr>
         </p:nvSpPr>
-        <p:spPr/>
+        <p:spPr>
+          <a:xfrm>
+            <a:off x="457200" y="141133"/>
+            <a:ext cx="8229600" cy="772987"/>
+          </a:xfrm>
+        </p:spPr>
         <p:txBody>
           <a:bodyPr/>
           <a:lstStyle/>
           <a:p>
             <a:r>
               <a:rPr lang="en-US" dirty="0"/>
-              <a:t>Practice I</a:t>
+              <a:t>modes</a:t>
             </a:r>
           </a:p>
         </p:txBody>
@@ -7448,119 +7634,87 @@
         </p:nvSpPr>
         <p:spPr>
           <a:xfrm>
-            <a:off x="1087136" y="1772231"/>
-            <a:ext cx="7149187" cy="3165290"/>
+            <a:off x="457200" y="1300833"/>
+            <a:ext cx="8229600" cy="2693235"/>
           </a:xfrm>
         </p:spPr>
         <p:txBody>
           <a:bodyPr>
-            <a:noAutofit/>
+            <a:normAutofit/>
           </a:bodyPr>
           <a:lstStyle/>
           <a:p>
             <a:r>
-              <a:rPr lang="en-US" sz="2800" dirty="0"/>
-              <a:t>Type “vi p1.txt” in Linux</a:t>
-            </a:r>
-          </a:p>
-          <a:p>
-            <a:r>
-              <a:rPr lang="en-US" sz="2800" dirty="0"/>
-              <a:t>Type the letter “</a:t>
-            </a:r>
-            <a:r>
-              <a:rPr lang="en-US" sz="2800" dirty="0" err="1"/>
-              <a:t>i</a:t>
-            </a:r>
-            <a:r>
-              <a:rPr lang="en-US" sz="2800" dirty="0"/>
-              <a:t>” to change to insert mode</a:t>
-            </a:r>
-          </a:p>
-          <a:p>
-            <a:r>
-              <a:rPr lang="en-US" sz="2800" dirty="0"/>
-              <a:t>Enter text (anything more than 6 lines)</a:t>
-            </a:r>
-          </a:p>
-          <a:p>
-            <a:r>
-              <a:rPr lang="en-US" sz="2800" dirty="0"/>
-              <a:t>Press </a:t>
-            </a:r>
-            <a:r>
-              <a:rPr lang="en-US" sz="2800" b="1" dirty="0"/>
-              <a:t>ESC</a:t>
-            </a:r>
-            <a:r>
-              <a:rPr lang="en-US" sz="2800" dirty="0"/>
-              <a:t> key</a:t>
-            </a:r>
-          </a:p>
-          <a:p>
-            <a:r>
-              <a:rPr lang="en-US" sz="2800" dirty="0"/>
-              <a:t>Type :</a:t>
-            </a:r>
-            <a:r>
-              <a:rPr lang="en-US" sz="2800" dirty="0" err="1"/>
-              <a:t>wq</a:t>
-            </a:r>
-            <a:endParaRPr lang="en-US" sz="2800" dirty="0"/>
-          </a:p>
-          <a:p>
-            <a:pPr marL="0" indent="0">
+              <a:rPr lang="en-US" i="1" dirty="0"/>
+              <a:t>vi</a:t>
+            </a:r>
+            <a:r>
+              <a:rPr lang="en-US" dirty="0"/>
+              <a:t> has two modes:</a:t>
+            </a:r>
+          </a:p>
+          <a:p>
+            <a:pPr indent="0">
+              <a:buAutoNum type="arabicPeriod"/>
+            </a:pPr>
+            <a:r>
+              <a:rPr lang="en-US" dirty="0"/>
+              <a:t> insert mode (edit as other text editors)</a:t>
+            </a:r>
+          </a:p>
+          <a:p>
+            <a:pPr indent="0">
+              <a:buAutoNum type="arabicPeriod"/>
+            </a:pPr>
+            <a:r>
+              <a:rPr lang="en-US" dirty="0"/>
+              <a:t> command mode (commands that control the edit session).</a:t>
+            </a:r>
+          </a:p>
+          <a:p>
+            <a:pPr indent="0">
               <a:buNone/>
             </a:pPr>
-            <a:r>
-              <a:rPr lang="en-US" sz="2800" dirty="0"/>
-              <a:t>(w: save; q: quit)</a:t>
+            <a:endParaRPr lang="en-US" dirty="0">
+              <a:solidFill>
+                <a:srgbClr val="FF0000"/>
+              </a:solidFill>
+            </a:endParaRPr>
+          </a:p>
+          <a:p>
+            <a:pPr indent="0">
+              <a:buNone/>
+            </a:pPr>
+            <a:r>
+              <a:rPr lang="en-US" dirty="0">
+                <a:solidFill>
+                  <a:srgbClr val="FF0000"/>
+                </a:solidFill>
+              </a:rPr>
+              <a:t>switch modes by using “</a:t>
+            </a:r>
+            <a:r>
+              <a:rPr lang="en-US" dirty="0" err="1">
+                <a:solidFill>
+                  <a:srgbClr val="FF0000"/>
+                </a:solidFill>
+              </a:rPr>
+              <a:t>i</a:t>
+            </a:r>
+            <a:r>
+              <a:rPr lang="en-US" dirty="0">
+                <a:solidFill>
+                  <a:srgbClr val="FF0000"/>
+                </a:solidFill>
+              </a:rPr>
+              <a:t>” and “ESC” key</a:t>
             </a:r>
           </a:p>
         </p:txBody>
       </p:sp>
       <p:sp>
         <p:nvSpPr>
-          <p:cNvPr id="4" name="TextBox 3"/>
-          <p:cNvSpPr txBox="1"/>
-          <p:nvPr/>
-        </p:nvSpPr>
-        <p:spPr>
-          <a:xfrm>
-            <a:off x="457200" y="809851"/>
-            <a:ext cx="8057295" cy="830997"/>
-          </a:xfrm>
-          <a:prstGeom prst="rect">
-            <a:avLst/>
-          </a:prstGeom>
-          <a:noFill/>
-        </p:spPr>
-        <p:txBody>
-          <a:bodyPr wrap="square" rtlCol="0">
-            <a:spAutoFit/>
-          </a:bodyPr>
-          <a:lstStyle/>
-          <a:p>
-            <a:r>
-              <a:rPr lang="en-US" sz="2400" b="1" dirty="0">
-                <a:solidFill>
-                  <a:schemeClr val="tx2">
-                    <a:lumMod val="75000"/>
-                  </a:schemeClr>
-                </a:solidFill>
-              </a:rPr>
-              <a:t>Task</a:t>
-            </a:r>
-            <a:r>
-              <a:rPr lang="en-US" sz="2400" dirty="0"/>
-              <a:t>: to create a file named “p1.txt”, enter some text in the file and save it via vi. </a:t>
-            </a:r>
-          </a:p>
-        </p:txBody>
-      </p:sp>
-      <p:sp>
-        <p:nvSpPr>
-          <p:cNvPr id="5" name="Slide Number Placeholder 4"/>
+          <p:cNvPr id="4" name="Slide Number Placeholder 3"/>
           <p:cNvSpPr>
             <a:spLocks noGrp="1"/>
           </p:cNvSpPr>
@@ -7584,7 +7738,7 @@
     </p:spTree>
     <p:extLst>
       <p:ext uri="{BB962C8B-B14F-4D97-AF65-F5344CB8AC3E}">
-        <p14:creationId xmlns:p14="http://schemas.microsoft.com/office/powerpoint/2010/main" val="3340244466"/>
+        <p14:creationId xmlns:p14="http://schemas.microsoft.com/office/powerpoint/2010/main" val="2722021501"/>
       </p:ext>
     </p:extLst>
   </p:cSld>
@@ -7874,19 +8028,14 @@
             <p:ph type="title"/>
           </p:nvPr>
         </p:nvSpPr>
-        <p:spPr>
-          <a:xfrm>
-            <a:off x="457200" y="350765"/>
-            <a:ext cx="8229600" cy="579740"/>
-          </a:xfrm>
-        </p:spPr>
+        <p:spPr/>
         <p:txBody>
           <a:bodyPr/>
           <a:lstStyle/>
           <a:p>
             <a:r>
               <a:rPr lang="en-US" dirty="0"/>
-              <a:t>Quitting and Saving a file in command mode</a:t>
+              <a:t>Practice I</a:t>
             </a:r>
           </a:p>
         </p:txBody>
@@ -7903,92 +8052,119 @@
         </p:nvSpPr>
         <p:spPr>
           <a:xfrm>
-            <a:off x="883935" y="1561253"/>
-            <a:ext cx="7503018" cy="2285392"/>
+            <a:off x="1087136" y="1772231"/>
+            <a:ext cx="7149187" cy="3165290"/>
           </a:xfrm>
         </p:spPr>
         <p:txBody>
           <a:bodyPr>
-            <a:normAutofit/>
+            <a:noAutofit/>
           </a:bodyPr>
           <a:lstStyle/>
           <a:p>
             <a:r>
-              <a:rPr lang="en-US" b="1" dirty="0">
-                <a:solidFill>
-                  <a:srgbClr val="17375E"/>
-                </a:solidFill>
-              </a:rPr>
-              <a:t>:w</a:t>
-            </a:r>
-            <a:r>
-              <a:rPr lang="en-US" dirty="0"/>
-              <a:t>	to save your file but not quit.</a:t>
-            </a:r>
-          </a:p>
-          <a:p>
-            <a:r>
-              <a:rPr lang="en-US" b="1" dirty="0">
-                <a:solidFill>
-                  <a:srgbClr val="17375E"/>
-                </a:solidFill>
-              </a:rPr>
-              <a:t>:q</a:t>
-            </a:r>
-            <a:r>
-              <a:rPr lang="en-US" dirty="0"/>
-              <a:t>	to quit if you haven't made any edits.</a:t>
-            </a:r>
-          </a:p>
-          <a:p>
-            <a:r>
-              <a:rPr lang="en-US" b="1" dirty="0">
-                <a:solidFill>
-                  <a:srgbClr val="17375E"/>
-                </a:solidFill>
-              </a:rPr>
-              <a:t>:</a:t>
-            </a:r>
-            <a:r>
-              <a:rPr lang="en-US" b="1" dirty="0" err="1">
-                <a:solidFill>
-                  <a:srgbClr val="17375E"/>
-                </a:solidFill>
-              </a:rPr>
+              <a:rPr lang="en-US" sz="2800" dirty="0"/>
+              <a:t>Type “vi p1.txt” in Linux</a:t>
+            </a:r>
+          </a:p>
+          <a:p>
+            <a:r>
+              <a:rPr lang="en-US" sz="2800" dirty="0"/>
+              <a:t>Type the letter “</a:t>
+            </a:r>
+            <a:r>
+              <a:rPr lang="en-US" sz="2800" dirty="0" err="1"/>
+              <a:t>i</a:t>
+            </a:r>
+            <a:r>
+              <a:rPr lang="en-US" sz="2800" dirty="0"/>
+              <a:t>” to change to insert mode</a:t>
+            </a:r>
+          </a:p>
+          <a:p>
+            <a:r>
+              <a:rPr lang="en-US" sz="2800" dirty="0"/>
+              <a:t>Enter text (anything more than 6 lines)</a:t>
+            </a:r>
+          </a:p>
+          <a:p>
+            <a:r>
+              <a:rPr lang="en-US" sz="2800" dirty="0"/>
+              <a:t>Press </a:t>
+            </a:r>
+            <a:r>
+              <a:rPr lang="en-US" sz="2800" b="1" dirty="0"/>
+              <a:t>ESC</a:t>
+            </a:r>
+            <a:r>
+              <a:rPr lang="en-US" sz="2800" dirty="0"/>
+              <a:t> key</a:t>
+            </a:r>
+          </a:p>
+          <a:p>
+            <a:r>
+              <a:rPr lang="en-US" sz="2800" dirty="0"/>
+              <a:t>Type :</a:t>
+            </a:r>
+            <a:r>
+              <a:rPr lang="en-US" sz="2800" dirty="0" err="1"/>
               <a:t>wq</a:t>
             </a:r>
-            <a:r>
-              <a:rPr lang="en-US" dirty="0"/>
-              <a:t>	to quit and save edits.</a:t>
-            </a:r>
-          </a:p>
-          <a:p>
-            <a:r>
-              <a:rPr lang="en-US" b="1" dirty="0">
-                <a:solidFill>
-                  <a:srgbClr val="17375E"/>
-                </a:solidFill>
-              </a:rPr>
-              <a:t>:q!</a:t>
-            </a:r>
-            <a:r>
-              <a:rPr lang="en-US" dirty="0"/>
-              <a:t>	to quit </a:t>
-            </a:r>
-            <a:r>
-              <a:rPr lang="en-US" b="1" i="1" dirty="0"/>
-              <a:t>without</a:t>
-            </a:r>
-            <a:r>
-              <a:rPr lang="en-US" dirty="0"/>
-              <a:t> saving.</a:t>
+            <a:endParaRPr lang="en-US" sz="2800" dirty="0"/>
+          </a:p>
+          <a:p>
+            <a:pPr marL="0" indent="0">
+              <a:buNone/>
+            </a:pPr>
+            <a:r>
+              <a:rPr lang="en-US" sz="2800" dirty="0"/>
+              <a:t>(w: save; q: quit)</a:t>
             </a:r>
           </a:p>
         </p:txBody>
       </p:sp>
       <p:sp>
         <p:nvSpPr>
-          <p:cNvPr id="4" name="Slide Number Placeholder 3"/>
+          <p:cNvPr id="4" name="TextBox 3"/>
+          <p:cNvSpPr txBox="1"/>
+          <p:nvPr/>
+        </p:nvSpPr>
+        <p:spPr>
+          <a:xfrm>
+            <a:off x="457200" y="809851"/>
+            <a:ext cx="8057295" cy="830997"/>
+          </a:xfrm>
+          <a:prstGeom prst="rect">
+            <a:avLst/>
+          </a:prstGeom>
+          <a:noFill/>
+        </p:spPr>
+        <p:txBody>
+          <a:bodyPr wrap="square" rtlCol="0">
+            <a:spAutoFit/>
+          </a:bodyPr>
+          <a:lstStyle/>
+          <a:p>
+            <a:r>
+              <a:rPr lang="en-US" sz="2400" b="1" dirty="0">
+                <a:solidFill>
+                  <a:schemeClr val="tx2">
+                    <a:lumMod val="75000"/>
+                  </a:schemeClr>
+                </a:solidFill>
+              </a:rPr>
+              <a:t>Task</a:t>
+            </a:r>
+            <a:r>
+              <a:rPr lang="en-US" sz="2400" dirty="0"/>
+              <a:t>: to create a file named “p1.txt”, enter some text in the file and save it via vi. </a:t>
+            </a:r>
+          </a:p>
+        </p:txBody>
+      </p:sp>
+      <p:sp>
+        <p:nvSpPr>
+          <p:cNvPr id="5" name="Slide Number Placeholder 4"/>
           <p:cNvSpPr>
             <a:spLocks noGrp="1"/>
           </p:cNvSpPr>
@@ -8012,7 +8188,7 @@
     </p:spTree>
     <p:extLst>
       <p:ext uri="{BB962C8B-B14F-4D97-AF65-F5344CB8AC3E}">
-        <p14:creationId xmlns:p14="http://schemas.microsoft.com/office/powerpoint/2010/main" val="149524925"/>
+        <p14:creationId xmlns:p14="http://schemas.microsoft.com/office/powerpoint/2010/main" val="3340244466"/>
       </p:ext>
     </p:extLst>
   </p:cSld>
@@ -8049,22 +8225,27 @@
             <p:ph type="title"/>
           </p:nvPr>
         </p:nvSpPr>
-        <p:spPr/>
+        <p:spPr>
+          <a:xfrm>
+            <a:off x="457200" y="350765"/>
+            <a:ext cx="8229600" cy="579740"/>
+          </a:xfrm>
+        </p:spPr>
         <p:txBody>
           <a:bodyPr/>
           <a:lstStyle/>
           <a:p>
             <a:r>
               <a:rPr lang="en-US" dirty="0"/>
-              <a:t>Practice II – move cursor</a:t>
+              <a:t>Quitting and Saving a file in command mode</a:t>
             </a:r>
           </a:p>
         </p:txBody>
       </p:sp>
       <p:sp>
         <p:nvSpPr>
-          <p:cNvPr id="4" name="Content Placeholder 3"/>
-          <p:cNvSpPr txBox="1">
+          <p:cNvPr id="3" name="Content Placeholder 2"/>
+          <p:cNvSpPr>
             <a:spLocks noGrp="1"/>
           </p:cNvSpPr>
           <p:nvPr>
@@ -8073,115 +8254,92 @@
         </p:nvSpPr>
         <p:spPr>
           <a:xfrm>
-            <a:off x="648820" y="1795641"/>
-            <a:ext cx="8229600" cy="3108544"/>
+            <a:off x="883935" y="1561253"/>
+            <a:ext cx="7503018" cy="2285392"/>
           </a:xfrm>
-          <a:prstGeom prst="rect">
-            <a:avLst/>
-          </a:prstGeom>
-          <a:noFill/>
         </p:spPr>
         <p:txBody>
-          <a:bodyPr wrap="square" rtlCol="0">
-            <a:spAutoFit/>
+          <a:bodyPr>
+            <a:normAutofit/>
           </a:bodyPr>
           <a:lstStyle/>
           <a:p>
             <a:r>
-              <a:rPr lang="en-US" sz="2800" dirty="0"/>
-              <a:t>vi p1.txt</a:t>
-            </a:r>
-          </a:p>
-          <a:p>
-            <a:r>
-              <a:rPr lang="en-US" sz="2800" dirty="0"/>
-              <a:t>Type the letter “</a:t>
-            </a:r>
-            <a:r>
-              <a:rPr lang="en-US" sz="2800" dirty="0" err="1"/>
-              <a:t>i</a:t>
-            </a:r>
-            <a:r>
-              <a:rPr lang="en-US" sz="2800" dirty="0"/>
-              <a:t>” to change to insert mode</a:t>
-            </a:r>
-          </a:p>
-          <a:p>
-            <a:r>
-              <a:rPr lang="en-US" sz="2800" dirty="0"/>
-              <a:t>Edit text (delete and add)</a:t>
-            </a:r>
-          </a:p>
-          <a:p>
-            <a:r>
-              <a:rPr lang="en-US" sz="2800" dirty="0"/>
-              <a:t>Press </a:t>
-            </a:r>
-            <a:r>
-              <a:rPr lang="en-US" sz="2800" b="1" dirty="0"/>
-              <a:t>ESC</a:t>
-            </a:r>
-            <a:r>
-              <a:rPr lang="en-US" sz="2800" dirty="0"/>
-              <a:t> key</a:t>
-            </a:r>
-          </a:p>
-          <a:p>
-            <a:r>
-              <a:rPr lang="en-US" sz="2800" dirty="0"/>
-              <a:t>Try 0 and then $ and then 0 and then $</a:t>
-            </a:r>
-          </a:p>
-          <a:p>
-            <a:r>
-              <a:rPr lang="en-US" sz="2800" dirty="0"/>
-              <a:t>Try H, M, L</a:t>
+              <a:rPr lang="en-US" b="1" dirty="0">
+                <a:solidFill>
+                  <a:srgbClr val="17375E"/>
+                </a:solidFill>
+              </a:rPr>
+              <a:t>:w</a:t>
+            </a:r>
+            <a:r>
+              <a:rPr lang="en-US" dirty="0"/>
+              <a:t>	to save your file but not quit.</a:t>
+            </a:r>
+          </a:p>
+          <a:p>
+            <a:r>
+              <a:rPr lang="en-US" b="1" dirty="0">
+                <a:solidFill>
+                  <a:srgbClr val="17375E"/>
+                </a:solidFill>
+              </a:rPr>
+              <a:t>:q</a:t>
+            </a:r>
+            <a:r>
+              <a:rPr lang="en-US" dirty="0"/>
+              <a:t>	to quit if you haven't made any edits.</a:t>
+            </a:r>
+          </a:p>
+          <a:p>
+            <a:r>
+              <a:rPr lang="en-US" b="1" dirty="0">
+                <a:solidFill>
+                  <a:srgbClr val="17375E"/>
+                </a:solidFill>
+              </a:rPr>
+              <a:t>:</a:t>
+            </a:r>
+            <a:r>
+              <a:rPr lang="en-US" b="1" dirty="0" err="1">
+                <a:solidFill>
+                  <a:srgbClr val="17375E"/>
+                </a:solidFill>
+              </a:rPr>
+              <a:t>wq</a:t>
+            </a:r>
+            <a:r>
+              <a:rPr lang="en-US" dirty="0"/>
+              <a:t>	to quit and save edits.</a:t>
+            </a:r>
+          </a:p>
+          <a:p>
+            <a:r>
+              <a:rPr lang="en-US" b="1" dirty="0">
+                <a:solidFill>
+                  <a:srgbClr val="17375E"/>
+                </a:solidFill>
+              </a:rPr>
+              <a:t>:q!</a:t>
+            </a:r>
+            <a:r>
+              <a:rPr lang="en-US" dirty="0"/>
+              <a:t>	to quit </a:t>
+            </a:r>
+            <a:r>
+              <a:rPr lang="en-US" b="1" i="1" dirty="0"/>
+              <a:t>without</a:t>
+            </a:r>
+            <a:r>
+              <a:rPr lang="en-US" dirty="0"/>
+              <a:t> saving.</a:t>
             </a:r>
           </a:p>
         </p:txBody>
       </p:sp>
       <p:sp>
         <p:nvSpPr>
-          <p:cNvPr id="5" name="TextBox 4"/>
-          <p:cNvSpPr txBox="1"/>
-          <p:nvPr/>
-        </p:nvSpPr>
-        <p:spPr>
-          <a:xfrm>
-            <a:off x="457200" y="819715"/>
-            <a:ext cx="8612841" cy="830997"/>
-          </a:xfrm>
-          <a:prstGeom prst="rect">
-            <a:avLst/>
-          </a:prstGeom>
-          <a:noFill/>
-        </p:spPr>
-        <p:txBody>
-          <a:bodyPr wrap="square" rtlCol="0">
-            <a:spAutoFit/>
-          </a:bodyPr>
-          <a:lstStyle/>
-          <a:p>
-            <a:r>
-              <a:rPr lang="en-US" sz="2400" b="1" dirty="0">
-                <a:solidFill>
-                  <a:schemeClr val="tx2">
-                    <a:lumMod val="75000"/>
-                  </a:schemeClr>
-                </a:solidFill>
-              </a:rPr>
-              <a:t>Task</a:t>
-            </a:r>
-            <a:r>
-              <a:rPr lang="en-US" sz="2400" dirty="0"/>
-              <a:t>: to edit the file “p1.txt”, deleting a few words and adding some new words , and practice $, 0, H, M, and L in command mode. </a:t>
-            </a:r>
-          </a:p>
-        </p:txBody>
-      </p:sp>
-      <p:sp>
-        <p:nvSpPr>
-          <p:cNvPr id="3" name="Slide Number Placeholder 2"/>
+          <p:cNvPr id="4" name="Slide Number Placeholder 3"/>
           <p:cNvSpPr>
             <a:spLocks noGrp="1"/>
           </p:cNvSpPr>
@@ -8205,7 +8363,7 @@
     </p:spTree>
     <p:extLst>
       <p:ext uri="{BB962C8B-B14F-4D97-AF65-F5344CB8AC3E}">
-        <p14:creationId xmlns:p14="http://schemas.microsoft.com/office/powerpoint/2010/main" val="1539527986"/>
+        <p14:creationId xmlns:p14="http://schemas.microsoft.com/office/powerpoint/2010/main" val="149524925"/>
       </p:ext>
     </p:extLst>
   </p:cSld>
@@ -8244,14 +8402,12 @@
         </p:nvSpPr>
         <p:spPr/>
         <p:txBody>
-          <a:bodyPr>
-            <a:normAutofit/>
-          </a:bodyPr>
+          <a:bodyPr/>
           <a:lstStyle/>
           <a:p>
             <a:r>
-              <a:rPr lang="en-US" sz="3200" dirty="0"/>
-              <a:t>Practice II – search</a:t>
+              <a:rPr lang="en-US" dirty="0"/>
+              <a:t>Practice II – move cursor</a:t>
             </a:r>
           </a:p>
         </p:txBody>
@@ -8268,8 +8424,8 @@
         </p:nvSpPr>
         <p:spPr>
           <a:xfrm>
-            <a:off x="457200" y="2064700"/>
-            <a:ext cx="8229600" cy="2419124"/>
+            <a:off x="648820" y="1795641"/>
+            <a:ext cx="8229600" cy="3108544"/>
           </a:xfrm>
           <a:prstGeom prst="rect">
             <a:avLst/>
@@ -8284,19 +8440,53 @@
           <a:p>
             <a:r>
               <a:rPr lang="en-US" sz="2800" dirty="0"/>
-              <a:t>/xxx</a:t>
+              <a:t>vi p1.txt</a:t>
             </a:r>
           </a:p>
           <a:p>
             <a:r>
               <a:rPr lang="en-US" sz="2800" dirty="0"/>
-              <a:t>Press Return, the cursor will move to the first incidence of that string (xxx)</a:t>
-            </a:r>
-          </a:p>
-          <a:p>
+              <a:t>Type the letter “</a:t>
+            </a:r>
+            <a:r>
+              <a:rPr lang="en-US" sz="2800" dirty="0" err="1"/>
+              <a:t>i</a:t>
+            </a:r>
             <a:r>
               <a:rPr lang="en-US" sz="2800" dirty="0"/>
-              <a:t>Repeat the search by typing “n” or search in a backwards direction by using “N”</a:t>
+              <a:t>” to change to insert mode</a:t>
+            </a:r>
+          </a:p>
+          <a:p>
+            <a:r>
+              <a:rPr lang="en-US" sz="2800" dirty="0"/>
+              <a:t>Edit text (delete and add)</a:t>
+            </a:r>
+          </a:p>
+          <a:p>
+            <a:r>
+              <a:rPr lang="en-US" sz="2800" dirty="0"/>
+              <a:t>Press </a:t>
+            </a:r>
+            <a:r>
+              <a:rPr lang="en-US" sz="2800" b="1" dirty="0"/>
+              <a:t>ESC</a:t>
+            </a:r>
+            <a:r>
+              <a:rPr lang="en-US" sz="2800" dirty="0"/>
+              <a:t> key</a:t>
+            </a:r>
+          </a:p>
+          <a:p>
+            <a:r>
+              <a:rPr lang="en-US" sz="2800" dirty="0"/>
+              <a:t>Try 0 and then $ and then 0 and then $</a:t>
+            </a:r>
+          </a:p>
+          <a:p>
+            <a:r>
+              <a:rPr lang="en-US" sz="2800" dirty="0"/>
+              <a:t>Try H, M, L</a:t>
             </a:r>
           </a:p>
         </p:txBody>
@@ -8309,8 +8499,8 @@
         </p:nvSpPr>
         <p:spPr>
           <a:xfrm>
-            <a:off x="543352" y="1015129"/>
-            <a:ext cx="8057295" cy="523220"/>
+            <a:off x="457200" y="819715"/>
+            <a:ext cx="8612841" cy="830997"/>
           </a:xfrm>
           <a:prstGeom prst="rect">
             <a:avLst/>
@@ -8324,7 +8514,7 @@
           <a:lstStyle/>
           <a:p>
             <a:r>
-              <a:rPr lang="en-US" sz="2800" b="1" dirty="0">
+              <a:rPr lang="en-US" sz="2400" b="1" dirty="0">
                 <a:solidFill>
                   <a:schemeClr val="tx2">
                     <a:lumMod val="75000"/>
@@ -8334,8 +8524,8 @@
               <a:t>Task</a:t>
             </a:r>
             <a:r>
-              <a:rPr lang="en-US" sz="2800" dirty="0"/>
-              <a:t>: to search content in “p1.txt” using “/”</a:t>
+              <a:rPr lang="en-US" sz="2400" dirty="0"/>
+              <a:t>: to edit the file “p1.txt”, deleting a few words and adding some new words , and practice $, 0, H, M, and L in command mode. </a:t>
             </a:r>
           </a:p>
         </p:txBody>
@@ -8366,7 +8556,7 @@
     </p:spTree>
     <p:extLst>
       <p:ext uri="{BB962C8B-B14F-4D97-AF65-F5344CB8AC3E}">
-        <p14:creationId xmlns:p14="http://schemas.microsoft.com/office/powerpoint/2010/main" val="3750666015"/>
+        <p14:creationId xmlns:p14="http://schemas.microsoft.com/office/powerpoint/2010/main" val="1539527986"/>
       </p:ext>
     </p:extLst>
   </p:cSld>
@@ -8403,12 +8593,7 @@
             <p:ph type="title"/>
           </p:nvPr>
         </p:nvSpPr>
-        <p:spPr>
-          <a:xfrm>
-            <a:off x="457200" y="347173"/>
-            <a:ext cx="8229600" cy="579740"/>
-          </a:xfrm>
-        </p:spPr>
+        <p:spPr/>
         <p:txBody>
           <a:bodyPr>
             <a:normAutofit/>
@@ -8417,15 +8602,15 @@
           <a:p>
             <a:r>
               <a:rPr lang="en-US" sz="3200" dirty="0"/>
-              <a:t>Practice II – Undo in command mode</a:t>
+              <a:t>Practice II – search</a:t>
             </a:r>
           </a:p>
         </p:txBody>
       </p:sp>
       <p:sp>
         <p:nvSpPr>
-          <p:cNvPr id="3" name="Content Placeholder 2"/>
-          <p:cNvSpPr>
+          <p:cNvPr id="4" name="Content Placeholder 3"/>
+          <p:cNvSpPr txBox="1">
             <a:spLocks noGrp="1"/>
           </p:cNvSpPr>
           <p:nvPr>
@@ -8434,56 +8619,81 @@
         </p:nvSpPr>
         <p:spPr>
           <a:xfrm>
-            <a:off x="1237751" y="1826394"/>
-            <a:ext cx="5959750" cy="925292"/>
+            <a:off x="457200" y="2064700"/>
+            <a:ext cx="8229600" cy="2419124"/>
           </a:xfrm>
+          <a:prstGeom prst="rect">
+            <a:avLst/>
+          </a:prstGeom>
+          <a:noFill/>
         </p:spPr>
         <p:txBody>
-          <a:bodyPr>
-            <a:noAutofit/>
+          <a:bodyPr wrap="square" rtlCol="0">
+            <a:spAutoFit/>
           </a:bodyPr>
           <a:lstStyle/>
           <a:p>
             <a:r>
-              <a:rPr lang="en-US" sz="2800" b="1" dirty="0">
-                <a:solidFill>
-                  <a:srgbClr val="17375E"/>
-                </a:solidFill>
-              </a:rPr>
-              <a:t>u</a:t>
-            </a:r>
-            <a:r>
               <a:rPr lang="en-US" sz="2800" dirty="0"/>
-              <a:t>	undoes the change</a:t>
-            </a:r>
-          </a:p>
-          <a:p>
-            <a:r>
-              <a:rPr lang="en-US" sz="2800" b="1" dirty="0" err="1">
-                <a:solidFill>
-                  <a:srgbClr val="17375E"/>
-                </a:solidFill>
-              </a:rPr>
-              <a:t>contol+r</a:t>
-            </a:r>
-            <a:r>
-              <a:rPr lang="en-US" sz="2800" b="1" dirty="0">
-                <a:solidFill>
-                  <a:srgbClr val="17375E"/>
-                </a:solidFill>
-              </a:rPr>
-              <a:t>	</a:t>
-            </a:r>
+              <a:t>/xxx</a:t>
+            </a:r>
+          </a:p>
+          <a:p>
             <a:r>
               <a:rPr lang="en-US" sz="2800" dirty="0"/>
-              <a:t>Redoes</a:t>
+              <a:t>Press Return, the cursor will move to the first incidence of that string (xxx)</a:t>
+            </a:r>
+          </a:p>
+          <a:p>
+            <a:r>
+              <a:rPr lang="en-US" sz="2800" dirty="0"/>
+              <a:t>Repeat the search by typing “n” or search in a backwards direction by using “N”</a:t>
             </a:r>
           </a:p>
         </p:txBody>
       </p:sp>
       <p:sp>
         <p:nvSpPr>
-          <p:cNvPr id="4" name="Slide Number Placeholder 3"/>
+          <p:cNvPr id="5" name="TextBox 4"/>
+          <p:cNvSpPr txBox="1"/>
+          <p:nvPr/>
+        </p:nvSpPr>
+        <p:spPr>
+          <a:xfrm>
+            <a:off x="543352" y="1015129"/>
+            <a:ext cx="8057295" cy="523220"/>
+          </a:xfrm>
+          <a:prstGeom prst="rect">
+            <a:avLst/>
+          </a:prstGeom>
+          <a:noFill/>
+        </p:spPr>
+        <p:txBody>
+          <a:bodyPr wrap="square" rtlCol="0">
+            <a:spAutoFit/>
+          </a:bodyPr>
+          <a:lstStyle/>
+          <a:p>
+            <a:r>
+              <a:rPr lang="en-US" sz="2800" b="1" dirty="0">
+                <a:solidFill>
+                  <a:schemeClr val="tx2">
+                    <a:lumMod val="75000"/>
+                  </a:schemeClr>
+                </a:solidFill>
+              </a:rPr>
+              <a:t>Task</a:t>
+            </a:r>
+            <a:r>
+              <a:rPr lang="en-US" sz="2800" dirty="0"/>
+              <a:t>: to search content in “p1.txt” using “/”</a:t>
+            </a:r>
+          </a:p>
+        </p:txBody>
+      </p:sp>
+      <p:sp>
+        <p:nvSpPr>
+          <p:cNvPr id="3" name="Slide Number Placeholder 2"/>
           <p:cNvSpPr>
             <a:spLocks noGrp="1"/>
           </p:cNvSpPr>
@@ -8507,7 +8717,7 @@
     </p:spTree>
     <p:extLst>
       <p:ext uri="{BB962C8B-B14F-4D97-AF65-F5344CB8AC3E}">
-        <p14:creationId xmlns:p14="http://schemas.microsoft.com/office/powerpoint/2010/main" val="1770815387"/>
+        <p14:creationId xmlns:p14="http://schemas.microsoft.com/office/powerpoint/2010/main" val="3750666015"/>
       </p:ext>
     </p:extLst>
   </p:cSld>
@@ -8546,17 +8756,19 @@
         </p:nvSpPr>
         <p:spPr>
           <a:xfrm>
-            <a:off x="457200" y="313555"/>
+            <a:off x="457200" y="347173"/>
             <a:ext cx="8229600" cy="579740"/>
           </a:xfrm>
         </p:spPr>
         <p:txBody>
-          <a:bodyPr/>
+          <a:bodyPr>
+            <a:normAutofit/>
+          </a:bodyPr>
           <a:lstStyle/>
           <a:p>
             <a:r>
-              <a:rPr lang="en-US" dirty="0"/>
-              <a:t>Practice II – Deleting in command mode</a:t>
+              <a:rPr lang="en-US" sz="3200" dirty="0"/>
+              <a:t>Practice II – Undo in command mode</a:t>
             </a:r>
           </a:p>
         </p:txBody>
@@ -8573,100 +8785,49 @@
         </p:nvSpPr>
         <p:spPr>
           <a:xfrm>
-            <a:off x="605865" y="1173502"/>
-            <a:ext cx="8229600" cy="3730683"/>
+            <a:off x="1237751" y="1826394"/>
+            <a:ext cx="5959750" cy="925292"/>
           </a:xfrm>
         </p:spPr>
         <p:txBody>
           <a:bodyPr>
-            <a:normAutofit lnSpcReduction="10000"/>
+            <a:noAutofit/>
           </a:bodyPr>
           <a:lstStyle/>
           <a:p>
             <a:r>
-              <a:rPr lang="en-US" b="1" dirty="0">
+              <a:rPr lang="en-US" sz="2800" b="1" dirty="0">
                 <a:solidFill>
                   <a:srgbClr val="17375E"/>
                 </a:solidFill>
               </a:rPr>
-              <a:t>x</a:t>
-            </a:r>
-            <a:r>
-              <a:rPr lang="en-US" dirty="0"/>
-              <a:t>	deletes the character under the cursor.</a:t>
-            </a:r>
-          </a:p>
-          <a:p>
-            <a:r>
-              <a:rPr lang="en-US" b="1" dirty="0">
-                <a:solidFill>
-                  <a:schemeClr val="tx2">
-                    <a:lumMod val="75000"/>
-                  </a:schemeClr>
-                </a:solidFill>
-              </a:rPr>
-              <a:t>X</a:t>
-            </a:r>
-            <a:r>
-              <a:rPr lang="en-US" dirty="0"/>
-              <a:t>	deletes the character to the left of your cursor</a:t>
-            </a:r>
-          </a:p>
-          <a:p>
-            <a:r>
-              <a:rPr lang="en-US" b="1" dirty="0" err="1">
+              <a:t>u</a:t>
+            </a:r>
+            <a:r>
+              <a:rPr lang="en-US" sz="2800" dirty="0"/>
+              <a:t>	undoes the change</a:t>
+            </a:r>
+          </a:p>
+          <a:p>
+            <a:r>
+              <a:rPr lang="en-US" sz="2800" b="1" dirty="0" err="1">
                 <a:solidFill>
                   <a:srgbClr val="17375E"/>
                 </a:solidFill>
               </a:rPr>
-              <a:t>dw</a:t>
-            </a:r>
-            <a:r>
-              <a:rPr lang="en-US" dirty="0"/>
-              <a:t>	deletes from the character selected to the end of the word.</a:t>
-            </a:r>
-          </a:p>
-          <a:p>
-            <a:r>
-              <a:rPr lang="en-US" b="1" dirty="0" err="1">
+              <a:t>contol+r</a:t>
+            </a:r>
+            <a:r>
+              <a:rPr lang="en-US" sz="2800" b="1" dirty="0">
                 <a:solidFill>
                   <a:srgbClr val="17375E"/>
                 </a:solidFill>
               </a:rPr>
-              <a:t>dd</a:t>
-            </a:r>
-            <a:r>
-              <a:rPr lang="en-US" dirty="0"/>
-              <a:t>	deletes all the current line.</a:t>
-            </a:r>
-          </a:p>
-          <a:p>
-            <a:r>
-              <a:rPr lang="en-US" b="1" dirty="0">
-                <a:solidFill>
-                  <a:srgbClr val="17375E"/>
-                </a:solidFill>
-              </a:rPr>
-              <a:t>D</a:t>
-            </a:r>
-            <a:r>
-              <a:rPr lang="en-US" dirty="0"/>
-              <a:t>	deletes from the current character to the end of the line.</a:t>
-            </a:r>
-          </a:p>
-          <a:p>
-            <a:pPr marL="0" indent="0">
-              <a:buNone/>
-            </a:pPr>
-            <a:endParaRPr lang="en-US" sz="3200" dirty="0"/>
-          </a:p>
-          <a:p>
-            <a:pPr marL="0" indent="0">
-              <a:buNone/>
-            </a:pPr>
-            <a:r>
-              <a:rPr lang="en-US" sz="3200" dirty="0"/>
-              <a:t>Try 3dw, 2dd</a:t>
+              <a:t>	</a:t>
+            </a:r>
+            <a:r>
+              <a:rPr lang="en-US" sz="2800" dirty="0"/>
+              <a:t>Redoes</a:t>
             </a:r>
           </a:p>
         </p:txBody>
@@ -8697,7 +8858,7 @@
     </p:spTree>
     <p:extLst>
       <p:ext uri="{BB962C8B-B14F-4D97-AF65-F5344CB8AC3E}">
-        <p14:creationId xmlns:p14="http://schemas.microsoft.com/office/powerpoint/2010/main" val="1085370099"/>
+        <p14:creationId xmlns:p14="http://schemas.microsoft.com/office/powerpoint/2010/main" val="1770815387"/>
       </p:ext>
     </p:extLst>
   </p:cSld>
@@ -8736,7 +8897,7 @@
         </p:nvSpPr>
         <p:spPr>
           <a:xfrm>
-            <a:off x="457200" y="300109"/>
+            <a:off x="457200" y="313555"/>
             <a:ext cx="8229600" cy="579740"/>
           </a:xfrm>
         </p:spPr>
@@ -8746,7 +8907,7 @@
           <a:p>
             <a:r>
               <a:rPr lang="en-US" dirty="0"/>
-              <a:t>Practice II – Copy and paste in command mode</a:t>
+              <a:t>Practice II – Deleting in command mode</a:t>
             </a:r>
           </a:p>
         </p:txBody>
@@ -8763,13 +8924,13 @@
         </p:nvSpPr>
         <p:spPr>
           <a:xfrm>
-            <a:off x="1637024" y="1335022"/>
-            <a:ext cx="5982976" cy="3325467"/>
+            <a:off x="605865" y="1173502"/>
+            <a:ext cx="8229600" cy="3730683"/>
           </a:xfrm>
         </p:spPr>
         <p:txBody>
           <a:bodyPr>
-            <a:normAutofit/>
+            <a:normAutofit lnSpcReduction="10000"/>
           </a:bodyPr>
           <a:lstStyle/>
           <a:p>
@@ -8779,79 +8940,11 @@
                   <a:srgbClr val="17375E"/>
                 </a:solidFill>
               </a:rPr>
-              <a:t>y</a:t>
+              <a:t>x</a:t>
             </a:r>
             <a:r>
               <a:rPr lang="en-US" dirty="0"/>
-              <a:t>	yank (copy); </a:t>
-            </a:r>
-            <a:r>
-              <a:rPr lang="en-US" b="1" dirty="0"/>
-              <a:t>v</a:t>
-            </a:r>
-            <a:r>
-              <a:rPr lang="en-US" dirty="0"/>
-              <a:t> to select and </a:t>
-            </a:r>
-            <a:r>
-              <a:rPr lang="en-US" b="1" dirty="0"/>
-              <a:t>y</a:t>
-            </a:r>
-          </a:p>
-          <a:p>
-            <a:r>
-              <a:rPr lang="en-US" b="1" dirty="0" err="1">
-                <a:solidFill>
-                  <a:srgbClr val="17375E"/>
-                </a:solidFill>
-              </a:rPr>
-              <a:t>yw</a:t>
-            </a:r>
-            <a:r>
-              <a:rPr lang="en-US" dirty="0"/>
-              <a:t>	copies a word to a buffer</a:t>
-            </a:r>
-          </a:p>
-          <a:p>
-            <a:r>
-              <a:rPr lang="en-US" b="1" dirty="0">
-                <a:solidFill>
-                  <a:srgbClr val="17375E"/>
-                </a:solidFill>
-              </a:rPr>
-              <a:t>5yw</a:t>
-            </a:r>
-            <a:r>
-              <a:rPr lang="en-US" dirty="0"/>
-              <a:t>	copies 5 words to a buffer</a:t>
-            </a:r>
-          </a:p>
-          <a:p>
-            <a:r>
-              <a:rPr lang="en-US" b="1" dirty="0" err="1">
-                <a:solidFill>
-                  <a:srgbClr val="17375E"/>
-                </a:solidFill>
-              </a:rPr>
-              <a:t>yy</a:t>
-            </a:r>
-            <a:r>
-              <a:rPr lang="en-US" dirty="0"/>
-              <a:t>	copies a line to a buffer</a:t>
-            </a:r>
-          </a:p>
-          <a:p>
-            <a:r>
-              <a:rPr lang="en-US" b="1" dirty="0">
-                <a:solidFill>
-                  <a:srgbClr val="17375E"/>
-                </a:solidFill>
-              </a:rPr>
-              <a:t>5yy</a:t>
-            </a:r>
-            <a:r>
-              <a:rPr lang="en-US" dirty="0"/>
-              <a:t>	copies 5 lines to a buffer</a:t>
+              <a:t>	deletes the character under the cursor.</a:t>
             </a:r>
           </a:p>
           <a:p>
@@ -8863,11 +8956,39 @@
                   </a:schemeClr>
                 </a:solidFill>
               </a:rPr>
-              <a:t>p</a:t>
+              <a:t>X</a:t>
             </a:r>
             <a:r>
               <a:rPr lang="en-US" dirty="0"/>
-              <a:t>	put (paste) after the cursor</a:t>
+              <a:t>	deletes the character to the left of your cursor</a:t>
+            </a:r>
+          </a:p>
+          <a:p>
+            <a:r>
+              <a:rPr lang="en-US" b="1" dirty="0" err="1">
+                <a:solidFill>
+                  <a:srgbClr val="17375E"/>
+                </a:solidFill>
+              </a:rPr>
+              <a:t>dw</a:t>
+            </a:r>
+            <a:r>
+              <a:rPr lang="en-US" dirty="0"/>
+              <a:t>	deletes from the character selected to the end of the word.</a:t>
+            </a:r>
+          </a:p>
+          <a:p>
+            <a:r>
+              <a:rPr lang="en-US" b="1" dirty="0" err="1">
+                <a:solidFill>
+                  <a:srgbClr val="17375E"/>
+                </a:solidFill>
+              </a:rPr>
+              <a:t>dd</a:t>
+            </a:r>
+            <a:r>
+              <a:rPr lang="en-US" dirty="0"/>
+              <a:t>	deletes all the current line.</a:t>
             </a:r>
           </a:p>
           <a:p>
@@ -8877,18 +8998,27 @@
                   <a:srgbClr val="17375E"/>
                 </a:solidFill>
               </a:rPr>
-              <a:t>P</a:t>
+              <a:t>D</a:t>
             </a:r>
             <a:r>
               <a:rPr lang="en-US" dirty="0"/>
-              <a:t>	put (paste) before the cursor</a:t>
+              <a:t>	deletes from the current character to the end of the line.</a:t>
             </a:r>
           </a:p>
           <a:p>
             <a:pPr marL="0" indent="0">
               <a:buNone/>
             </a:pPr>
-            <a:endParaRPr lang="en-US" dirty="0"/>
+            <a:endParaRPr lang="en-US" sz="3200" dirty="0"/>
+          </a:p>
+          <a:p>
+            <a:pPr marL="0" indent="0">
+              <a:buNone/>
+            </a:pPr>
+            <a:r>
+              <a:rPr lang="en-US" sz="3200" dirty="0"/>
+              <a:t>Try 3dw, 2dd</a:t>
+            </a:r>
           </a:p>
         </p:txBody>
       </p:sp>
@@ -8918,7 +9048,7 @@
     </p:spTree>
     <p:extLst>
       <p:ext uri="{BB962C8B-B14F-4D97-AF65-F5344CB8AC3E}">
-        <p14:creationId xmlns:p14="http://schemas.microsoft.com/office/powerpoint/2010/main" val="1580867527"/>
+        <p14:creationId xmlns:p14="http://schemas.microsoft.com/office/powerpoint/2010/main" val="1085370099"/>
       </p:ext>
     </p:extLst>
   </p:cSld>
@@ -8957,19 +9087,17 @@
         </p:nvSpPr>
         <p:spPr>
           <a:xfrm>
-            <a:off x="457200" y="246320"/>
+            <a:off x="457200" y="300109"/>
             <a:ext cx="8229600" cy="579740"/>
           </a:xfrm>
         </p:spPr>
         <p:txBody>
-          <a:bodyPr>
-            <a:normAutofit/>
-          </a:bodyPr>
+          <a:bodyPr/>
           <a:lstStyle/>
           <a:p>
             <a:r>
-              <a:rPr lang="en-US" sz="3200" dirty="0"/>
-              <a:t>Reference links</a:t>
+              <a:rPr lang="en-US" dirty="0"/>
+              <a:t>Practice II – Copy and paste in command mode</a:t>
             </a:r>
           </a:p>
         </p:txBody>
@@ -8986,8 +9114,8 @@
         </p:nvSpPr>
         <p:spPr>
           <a:xfrm>
-            <a:off x="1261918" y="1214076"/>
-            <a:ext cx="6726883" cy="3124515"/>
+            <a:off x="1637024" y="1335022"/>
+            <a:ext cx="5982976" cy="3325467"/>
           </a:xfrm>
         </p:spPr>
         <p:txBody>
@@ -8997,65 +9125,151 @@
           <a:lstStyle/>
           <a:p>
             <a:r>
-              <a:rPr lang="en-US" sz="2800" dirty="0"/>
-              <a:t>BBEdit Regular Expression Cheat-Sheet</a:t>
+              <a:rPr lang="en-US" b="1" dirty="0">
+                <a:solidFill>
+                  <a:srgbClr val="17375E"/>
+                </a:solidFill>
+              </a:rPr>
+              <a:t>y</a:t>
+            </a:r>
+            <a:r>
+              <a:rPr lang="en-US" dirty="0"/>
+              <a:t>	yank (copy); </a:t>
+            </a:r>
+            <a:r>
+              <a:rPr lang="en-US" b="1" dirty="0"/>
+              <a:t>v</a:t>
+            </a:r>
+            <a:r>
+              <a:rPr lang="en-US" dirty="0"/>
+              <a:t> to select and </a:t>
+            </a:r>
+            <a:r>
+              <a:rPr lang="en-US" b="1" dirty="0"/>
+              <a:t>y</a:t>
+            </a:r>
+          </a:p>
+          <a:p>
+            <a:r>
+              <a:rPr lang="en-US" b="1" dirty="0" err="1">
+                <a:solidFill>
+                  <a:srgbClr val="17375E"/>
+                </a:solidFill>
+              </a:rPr>
+              <a:t>yw</a:t>
+            </a:r>
+            <a:r>
+              <a:rPr lang="en-US" dirty="0"/>
+              <a:t>	copies a word to a buffer</a:t>
+            </a:r>
+          </a:p>
+          <a:p>
+            <a:r>
+              <a:rPr lang="en-US" b="1" dirty="0">
+                <a:solidFill>
+                  <a:srgbClr val="17375E"/>
+                </a:solidFill>
+              </a:rPr>
+              <a:t>5yw</a:t>
+            </a:r>
+            <a:r>
+              <a:rPr lang="en-US" dirty="0"/>
+              <a:t>	copies 5 words to a buffer</a:t>
+            </a:r>
+          </a:p>
+          <a:p>
+            <a:r>
+              <a:rPr lang="en-US" b="1" dirty="0" err="1">
+                <a:solidFill>
+                  <a:srgbClr val="17375E"/>
+                </a:solidFill>
+              </a:rPr>
+              <a:t>yy</a:t>
+            </a:r>
+            <a:r>
+              <a:rPr lang="en-US" dirty="0"/>
+              <a:t>	copies a line to a buffer</a:t>
+            </a:r>
+          </a:p>
+          <a:p>
+            <a:r>
+              <a:rPr lang="en-US" b="1" dirty="0">
+                <a:solidFill>
+                  <a:srgbClr val="17375E"/>
+                </a:solidFill>
+              </a:rPr>
+              <a:t>5yy</a:t>
+            </a:r>
+            <a:r>
+              <a:rPr lang="en-US" dirty="0"/>
+              <a:t>	copies 5 lines to a buffer</a:t>
+            </a:r>
+          </a:p>
+          <a:p>
+            <a:r>
+              <a:rPr lang="en-US" b="1" dirty="0">
+                <a:solidFill>
+                  <a:schemeClr val="tx2">
+                    <a:lumMod val="75000"/>
+                  </a:schemeClr>
+                </a:solidFill>
+              </a:rPr>
+              <a:t>p</a:t>
+            </a:r>
+            <a:r>
+              <a:rPr lang="en-US" dirty="0"/>
+              <a:t>	put (paste) after the cursor</a:t>
+            </a:r>
+          </a:p>
+          <a:p>
+            <a:r>
+              <a:rPr lang="en-US" b="1" dirty="0">
+                <a:solidFill>
+                  <a:srgbClr val="17375E"/>
+                </a:solidFill>
+              </a:rPr>
+              <a:t>P</a:t>
+            </a:r>
+            <a:r>
+              <a:rPr lang="en-US" dirty="0"/>
+              <a:t>	put (paste) before the cursor</a:t>
             </a:r>
           </a:p>
           <a:p>
             <a:pPr marL="0" indent="0">
               <a:buNone/>
             </a:pPr>
-            <a:r>
-              <a:rPr lang="en-US" sz="2800" dirty="0">
-                <a:hlinkClick r:id="rId2"/>
-              </a:rPr>
-              <a:t>https://gist.github.com/ccstone/5385334</a:t>
-            </a:r>
-          </a:p>
-          <a:p>
-            <a:pPr marL="0" indent="0">
-              <a:buNone/>
-            </a:pPr>
-            <a:endParaRPr lang="en-US" sz="2800" dirty="0">
-              <a:hlinkClick r:id="rId2"/>
-            </a:endParaRPr>
-          </a:p>
-          <a:p>
-            <a:r>
-              <a:rPr lang="en-US" sz="2800" i="1" dirty="0"/>
-              <a:t>vi</a:t>
-            </a:r>
-          </a:p>
-          <a:p>
-            <a:pPr marL="0" indent="0">
-              <a:buNone/>
-            </a:pPr>
-            <a:r>
-              <a:rPr lang="en-US" sz="2800" dirty="0">
-                <a:hlinkClick r:id="rId3"/>
-              </a:rPr>
-              <a:t>https://kb.iu.edu/d/afdc</a:t>
-            </a:r>
-            <a:endParaRPr lang="en-US" sz="2800" dirty="0"/>
-          </a:p>
-          <a:p>
-            <a:pPr marL="0" indent="0">
-              <a:buNone/>
-            </a:pPr>
-            <a:endParaRPr lang="en-US" sz="2800" dirty="0"/>
-          </a:p>
-          <a:p>
-            <a:endParaRPr lang="en-US" sz="2800" dirty="0"/>
-          </a:p>
-          <a:p>
-            <a:endParaRPr lang="en-US" sz="2800" dirty="0"/>
+            <a:endParaRPr lang="en-US" dirty="0"/>
+          </a:p>
+        </p:txBody>
+      </p:sp>
+      <p:sp>
+        <p:nvSpPr>
+          <p:cNvPr id="4" name="Slide Number Placeholder 3"/>
+          <p:cNvSpPr>
+            <a:spLocks noGrp="1"/>
+          </p:cNvSpPr>
+          <p:nvPr>
+            <p:ph type="sldNum" sz="quarter" idx="12"/>
+          </p:nvPr>
+        </p:nvSpPr>
+        <p:spPr/>
+        <p:txBody>
+          <a:bodyPr/>
+          <a:lstStyle/>
+          <a:p>
+            <a:fld id="{9DA039C4-C5F2-1743-BB7A-5D831266C61E}" type="slidenum">
+              <a:rPr lang="en-US" smtClean="0"/>
+              <a:t>26</a:t>
+            </a:fld>
+            <a:endParaRPr lang="en-US"/>
           </a:p>
         </p:txBody>
       </p:sp>
     </p:spTree>
     <p:extLst>
       <p:ext uri="{BB962C8B-B14F-4D97-AF65-F5344CB8AC3E}">
-        <p14:creationId xmlns:p14="http://schemas.microsoft.com/office/powerpoint/2010/main" val="1688231447"/>
+        <p14:creationId xmlns:p14="http://schemas.microsoft.com/office/powerpoint/2010/main" val="1580867527"/>
       </p:ext>
     </p:extLst>
   </p:cSld>
@@ -21839,6 +22053,33 @@
             <a:r>
               <a:rPr lang="en-US" dirty="0"/>
               <a:t>Practice using regular expression in text editors</a:t>
+            </a:r>
+          </a:p>
+          <a:p>
+            <a:pPr>
+              <a:lnSpc>
+                <a:spcPct val="160000"/>
+              </a:lnSpc>
+            </a:pPr>
+            <a:r>
+              <a:rPr lang="en-US" sz="2400" i="1" dirty="0">
+                <a:solidFill>
+                  <a:schemeClr val="bg1">
+                    <a:lumMod val="85000"/>
+                  </a:schemeClr>
+                </a:solidFill>
+              </a:rPr>
+              <a:t>vi</a:t>
+            </a:r>
+            <a:r>
+              <a:rPr lang="en-US" sz="2400" dirty="0">
+                <a:solidFill>
+                  <a:schemeClr val="bg1">
+                    <a:lumMod val="85000"/>
+                  </a:schemeClr>
+                </a:solidFill>
+              </a:rPr>
+              <a:t> practice</a:t>
             </a:r>
           </a:p>
         </p:txBody>

--- a/PLPTH813Bioinformatis/2025/2_lab/lab01_Excel_regex_vi.pptx
+++ b/PLPTH813Bioinformatis/2025/2_lab/lab01_Excel_regex_vi.pptx
@@ -233,7 +233,7 @@
           <a:p>
             <a:fld id="{08E6E0A8-E17C-C949-B17E-7A1A6494483A}" type="datetimeFigureOut">
               <a:rPr lang="en-US" smtClean="0"/>
-              <a:t>1/22/25</a:t>
+              <a:t>1/23/25</a:t>
             </a:fld>
             <a:endParaRPr lang="en-US"/>
           </a:p>
@@ -1021,7 +1021,7 @@
           <a:p>
             <a:fld id="{42B8B0BE-C8D7-EB48-AD68-71DB5002F24B}" type="datetimeFigureOut">
               <a:rPr lang="en-US" smtClean="0"/>
-              <a:t>1/22/25</a:t>
+              <a:t>1/23/25</a:t>
             </a:fld>
             <a:endParaRPr lang="en-US"/>
           </a:p>
@@ -1189,7 +1189,7 @@
           <a:p>
             <a:fld id="{42B8B0BE-C8D7-EB48-AD68-71DB5002F24B}" type="datetimeFigureOut">
               <a:rPr lang="en-US" smtClean="0"/>
-              <a:t>1/22/25</a:t>
+              <a:t>1/23/25</a:t>
             </a:fld>
             <a:endParaRPr lang="en-US"/>
           </a:p>
@@ -1367,7 +1367,7 @@
           <a:p>
             <a:fld id="{42B8B0BE-C8D7-EB48-AD68-71DB5002F24B}" type="datetimeFigureOut">
               <a:rPr lang="en-US" smtClean="0"/>
-              <a:t>1/22/25</a:t>
+              <a:t>1/23/25</a:t>
             </a:fld>
             <a:endParaRPr lang="en-US"/>
           </a:p>
@@ -1535,7 +1535,7 @@
           <a:p>
             <a:fld id="{42B8B0BE-C8D7-EB48-AD68-71DB5002F24B}" type="datetimeFigureOut">
               <a:rPr lang="en-US" smtClean="0"/>
-              <a:t>1/22/25</a:t>
+              <a:t>1/23/25</a:t>
             </a:fld>
             <a:endParaRPr lang="en-US"/>
           </a:p>
@@ -1780,7 +1780,7 @@
           <a:p>
             <a:fld id="{42B8B0BE-C8D7-EB48-AD68-71DB5002F24B}" type="datetimeFigureOut">
               <a:rPr lang="en-US" smtClean="0"/>
-              <a:t>1/22/25</a:t>
+              <a:t>1/23/25</a:t>
             </a:fld>
             <a:endParaRPr lang="en-US"/>
           </a:p>
@@ -2065,7 +2065,7 @@
           <a:p>
             <a:fld id="{42B8B0BE-C8D7-EB48-AD68-71DB5002F24B}" type="datetimeFigureOut">
               <a:rPr lang="en-US" smtClean="0"/>
-              <a:t>1/22/25</a:t>
+              <a:t>1/23/25</a:t>
             </a:fld>
             <a:endParaRPr lang="en-US"/>
           </a:p>
@@ -2484,7 +2484,7 @@
           <a:p>
             <a:fld id="{42B8B0BE-C8D7-EB48-AD68-71DB5002F24B}" type="datetimeFigureOut">
               <a:rPr lang="en-US" smtClean="0"/>
-              <a:t>1/22/25</a:t>
+              <a:t>1/23/25</a:t>
             </a:fld>
             <a:endParaRPr lang="en-US"/>
           </a:p>
@@ -2601,7 +2601,7 @@
           <a:p>
             <a:fld id="{42B8B0BE-C8D7-EB48-AD68-71DB5002F24B}" type="datetimeFigureOut">
               <a:rPr lang="en-US" smtClean="0"/>
-              <a:t>1/22/25</a:t>
+              <a:t>1/23/25</a:t>
             </a:fld>
             <a:endParaRPr lang="en-US"/>
           </a:p>
@@ -2696,7 +2696,7 @@
           <a:p>
             <a:fld id="{42B8B0BE-C8D7-EB48-AD68-71DB5002F24B}" type="datetimeFigureOut">
               <a:rPr lang="en-US" smtClean="0"/>
-              <a:t>1/22/25</a:t>
+              <a:t>1/23/25</a:t>
             </a:fld>
             <a:endParaRPr lang="en-US"/>
           </a:p>
@@ -2971,7 +2971,7 @@
           <a:p>
             <a:fld id="{42B8B0BE-C8D7-EB48-AD68-71DB5002F24B}" type="datetimeFigureOut">
               <a:rPr lang="en-US" smtClean="0"/>
-              <a:t>1/22/25</a:t>
+              <a:t>1/23/25</a:t>
             </a:fld>
             <a:endParaRPr lang="en-US"/>
           </a:p>
@@ -3223,7 +3223,7 @@
           <a:p>
             <a:fld id="{42B8B0BE-C8D7-EB48-AD68-71DB5002F24B}" type="datetimeFigureOut">
               <a:rPr lang="en-US" smtClean="0"/>
-              <a:t>1/22/25</a:t>
+              <a:t>1/23/25</a:t>
             </a:fld>
             <a:endParaRPr lang="en-US"/>
           </a:p>
@@ -3434,7 +3434,7 @@
           <a:p>
             <a:fld id="{42B8B0BE-C8D7-EB48-AD68-71DB5002F24B}" type="datetimeFigureOut">
               <a:rPr lang="en-US" smtClean="0"/>
-              <a:t>1/22/25</a:t>
+              <a:t>1/23/25</a:t>
             </a:fld>
             <a:endParaRPr lang="en-US"/>
           </a:p>
@@ -5991,7 +5991,7 @@
           <p:nvPr>
             <p:extLst>
               <p:ext uri="{D42A27DB-BD31-4B8C-83A1-F6EECF244321}">
-                <p14:modId xmlns:p14="http://schemas.microsoft.com/office/powerpoint/2010/main" val="1088572852"/>
+                <p14:modId xmlns:p14="http://schemas.microsoft.com/office/powerpoint/2010/main" val="3606135643"/>
               </p:ext>
             </p:extLst>
           </p:nvPr>
@@ -21947,6 +21947,146 @@
           </a:graphicData>
         </a:graphic>
       </p:graphicFrame>
+      <p:sp>
+        <p:nvSpPr>
+          <p:cNvPr id="3" name="TextBox 2">
+            <a:extLst>
+              <a:ext uri="{FF2B5EF4-FFF2-40B4-BE49-F238E27FC236}">
+                <a16:creationId xmlns:a16="http://schemas.microsoft.com/office/drawing/2014/main" id="{02512542-3E8D-3014-E690-BC051F538DB3}"/>
+              </a:ext>
+            </a:extLst>
+          </p:cNvPr>
+          <p:cNvSpPr txBox="1"/>
+          <p:nvPr/>
+        </p:nvSpPr>
+        <p:spPr>
+          <a:xfrm>
+            <a:off x="2409478" y="2943723"/>
+            <a:ext cx="498406" cy="369332"/>
+          </a:xfrm>
+          <a:prstGeom prst="rect">
+            <a:avLst/>
+          </a:prstGeom>
+          <a:noFill/>
+        </p:spPr>
+        <p:txBody>
+          <a:bodyPr wrap="none" rtlCol="0">
+            <a:spAutoFit/>
+          </a:bodyPr>
+          <a:lstStyle/>
+          <a:p>
+            <a:r>
+              <a:rPr lang="en-US" dirty="0"/>
+              <a:t>left</a:t>
+            </a:r>
+          </a:p>
+        </p:txBody>
+      </p:sp>
+      <p:sp>
+        <p:nvSpPr>
+          <p:cNvPr id="5" name="TextBox 4">
+            <a:extLst>
+              <a:ext uri="{FF2B5EF4-FFF2-40B4-BE49-F238E27FC236}">
+                <a16:creationId xmlns:a16="http://schemas.microsoft.com/office/drawing/2014/main" id="{DCC07BB6-774B-CD27-319B-43D8091EFD09}"/>
+              </a:ext>
+            </a:extLst>
+          </p:cNvPr>
+          <p:cNvSpPr txBox="1"/>
+          <p:nvPr/>
+        </p:nvSpPr>
+        <p:spPr>
+          <a:xfrm>
+            <a:off x="3570830" y="2943723"/>
+            <a:ext cx="623376" cy="369332"/>
+          </a:xfrm>
+          <a:prstGeom prst="rect">
+            <a:avLst/>
+          </a:prstGeom>
+          <a:noFill/>
+        </p:spPr>
+        <p:txBody>
+          <a:bodyPr wrap="none" rtlCol="0">
+            <a:spAutoFit/>
+          </a:bodyPr>
+          <a:lstStyle/>
+          <a:p>
+            <a:r>
+              <a:rPr lang="en-US" dirty="0"/>
+              <a:t>right</a:t>
+            </a:r>
+          </a:p>
+        </p:txBody>
+      </p:sp>
+      <p:sp>
+        <p:nvSpPr>
+          <p:cNvPr id="6" name="TextBox 5">
+            <a:extLst>
+              <a:ext uri="{FF2B5EF4-FFF2-40B4-BE49-F238E27FC236}">
+                <a16:creationId xmlns:a16="http://schemas.microsoft.com/office/drawing/2014/main" id="{724BC5A7-6A2E-ED3A-21BF-19DA9D19D7B4}"/>
+              </a:ext>
+            </a:extLst>
+          </p:cNvPr>
+          <p:cNvSpPr txBox="1"/>
+          <p:nvPr/>
+        </p:nvSpPr>
+        <p:spPr>
+          <a:xfrm>
+            <a:off x="4515392" y="2943723"/>
+            <a:ext cx="341760" cy="369332"/>
+          </a:xfrm>
+          <a:prstGeom prst="rect">
+            <a:avLst/>
+          </a:prstGeom>
+          <a:noFill/>
+        </p:spPr>
+        <p:txBody>
+          <a:bodyPr wrap="none" rtlCol="0">
+            <a:spAutoFit/>
+          </a:bodyPr>
+          <a:lstStyle/>
+          <a:p>
+            <a:r>
+              <a:rPr lang="en-US" dirty="0"/>
+              <a:t>&amp;</a:t>
+            </a:r>
+          </a:p>
+        </p:txBody>
+      </p:sp>
+      <p:sp>
+        <p:nvSpPr>
+          <p:cNvPr id="8" name="TextBox 7">
+            <a:extLst>
+              <a:ext uri="{FF2B5EF4-FFF2-40B4-BE49-F238E27FC236}">
+                <a16:creationId xmlns:a16="http://schemas.microsoft.com/office/drawing/2014/main" id="{855869C1-6AAE-AEE0-18B2-C5647A442BFB}"/>
+              </a:ext>
+            </a:extLst>
+          </p:cNvPr>
+          <p:cNvSpPr txBox="1"/>
+          <p:nvPr/>
+        </p:nvSpPr>
+        <p:spPr>
+          <a:xfrm>
+            <a:off x="5766726" y="2943723"/>
+            <a:ext cx="717119" cy="369332"/>
+          </a:xfrm>
+          <a:prstGeom prst="rect">
+            <a:avLst/>
+          </a:prstGeom>
+          <a:noFill/>
+        </p:spPr>
+        <p:txBody>
+          <a:bodyPr wrap="none" rtlCol="0">
+            <a:spAutoFit/>
+          </a:bodyPr>
+          <a:lstStyle/>
+          <a:p>
+            <a:r>
+              <a:rPr lang="en-US" dirty="0"/>
+              <a:t>lower</a:t>
+            </a:r>
+          </a:p>
+        </p:txBody>
+      </p:sp>
     </p:spTree>
     <p:extLst>
       <p:ext uri="{BB962C8B-B14F-4D97-AF65-F5344CB8AC3E}">

--- a/PLPTH813Bioinformatis/2025/2_lab/lab01_Excel_regex_vi.pptx
+++ b/PLPTH813Bioinformatis/2025/2_lab/lab01_Excel_regex_vi.pptx
@@ -233,7 +233,7 @@
           <a:p>
             <a:fld id="{08E6E0A8-E17C-C949-B17E-7A1A6494483A}" type="datetimeFigureOut">
               <a:rPr lang="en-US" smtClean="0"/>
-              <a:t>1/23/25</a:t>
+              <a:t>1/27/25</a:t>
             </a:fld>
             <a:endParaRPr lang="en-US"/>
           </a:p>
@@ -1021,7 +1021,7 @@
           <a:p>
             <a:fld id="{42B8B0BE-C8D7-EB48-AD68-71DB5002F24B}" type="datetimeFigureOut">
               <a:rPr lang="en-US" smtClean="0"/>
-              <a:t>1/23/25</a:t>
+              <a:t>1/27/25</a:t>
             </a:fld>
             <a:endParaRPr lang="en-US"/>
           </a:p>
@@ -1189,7 +1189,7 @@
           <a:p>
             <a:fld id="{42B8B0BE-C8D7-EB48-AD68-71DB5002F24B}" type="datetimeFigureOut">
               <a:rPr lang="en-US" smtClean="0"/>
-              <a:t>1/23/25</a:t>
+              <a:t>1/27/25</a:t>
             </a:fld>
             <a:endParaRPr lang="en-US"/>
           </a:p>
@@ -1367,7 +1367,7 @@
           <a:p>
             <a:fld id="{42B8B0BE-C8D7-EB48-AD68-71DB5002F24B}" type="datetimeFigureOut">
               <a:rPr lang="en-US" smtClean="0"/>
-              <a:t>1/23/25</a:t>
+              <a:t>1/27/25</a:t>
             </a:fld>
             <a:endParaRPr lang="en-US"/>
           </a:p>
@@ -1535,7 +1535,7 @@
           <a:p>
             <a:fld id="{42B8B0BE-C8D7-EB48-AD68-71DB5002F24B}" type="datetimeFigureOut">
               <a:rPr lang="en-US" smtClean="0"/>
-              <a:t>1/23/25</a:t>
+              <a:t>1/27/25</a:t>
             </a:fld>
             <a:endParaRPr lang="en-US"/>
           </a:p>
@@ -1780,7 +1780,7 @@
           <a:p>
             <a:fld id="{42B8B0BE-C8D7-EB48-AD68-71DB5002F24B}" type="datetimeFigureOut">
               <a:rPr lang="en-US" smtClean="0"/>
-              <a:t>1/23/25</a:t>
+              <a:t>1/27/25</a:t>
             </a:fld>
             <a:endParaRPr lang="en-US"/>
           </a:p>
@@ -2065,7 +2065,7 @@
           <a:p>
             <a:fld id="{42B8B0BE-C8D7-EB48-AD68-71DB5002F24B}" type="datetimeFigureOut">
               <a:rPr lang="en-US" smtClean="0"/>
-              <a:t>1/23/25</a:t>
+              <a:t>1/27/25</a:t>
             </a:fld>
             <a:endParaRPr lang="en-US"/>
           </a:p>
@@ -2484,7 +2484,7 @@
           <a:p>
             <a:fld id="{42B8B0BE-C8D7-EB48-AD68-71DB5002F24B}" type="datetimeFigureOut">
               <a:rPr lang="en-US" smtClean="0"/>
-              <a:t>1/23/25</a:t>
+              <a:t>1/27/25</a:t>
             </a:fld>
             <a:endParaRPr lang="en-US"/>
           </a:p>
@@ -2601,7 +2601,7 @@
           <a:p>
             <a:fld id="{42B8B0BE-C8D7-EB48-AD68-71DB5002F24B}" type="datetimeFigureOut">
               <a:rPr lang="en-US" smtClean="0"/>
-              <a:t>1/23/25</a:t>
+              <a:t>1/27/25</a:t>
             </a:fld>
             <a:endParaRPr lang="en-US"/>
           </a:p>
@@ -2696,7 +2696,7 @@
           <a:p>
             <a:fld id="{42B8B0BE-C8D7-EB48-AD68-71DB5002F24B}" type="datetimeFigureOut">
               <a:rPr lang="en-US" smtClean="0"/>
-              <a:t>1/23/25</a:t>
+              <a:t>1/27/25</a:t>
             </a:fld>
             <a:endParaRPr lang="en-US"/>
           </a:p>
@@ -2971,7 +2971,7 @@
           <a:p>
             <a:fld id="{42B8B0BE-C8D7-EB48-AD68-71DB5002F24B}" type="datetimeFigureOut">
               <a:rPr lang="en-US" smtClean="0"/>
-              <a:t>1/23/25</a:t>
+              <a:t>1/27/25</a:t>
             </a:fld>
             <a:endParaRPr lang="en-US"/>
           </a:p>
@@ -3223,7 +3223,7 @@
           <a:p>
             <a:fld id="{42B8B0BE-C8D7-EB48-AD68-71DB5002F24B}" type="datetimeFigureOut">
               <a:rPr lang="en-US" smtClean="0"/>
-              <a:t>1/23/25</a:t>
+              <a:t>1/27/25</a:t>
             </a:fld>
             <a:endParaRPr lang="en-US"/>
           </a:p>
@@ -3434,7 +3434,7 @@
           <a:p>
             <a:fld id="{42B8B0BE-C8D7-EB48-AD68-71DB5002F24B}" type="datetimeFigureOut">
               <a:rPr lang="en-US" smtClean="0"/>
-              <a:t>1/23/25</a:t>
+              <a:t>1/27/25</a:t>
             </a:fld>
             <a:endParaRPr lang="en-US"/>
           </a:p>
@@ -4224,7 +4224,7 @@
           <p:nvPr>
             <p:extLst>
               <p:ext uri="{D42A27DB-BD31-4B8C-83A1-F6EECF244321}">
-                <p14:modId xmlns:p14="http://schemas.microsoft.com/office/powerpoint/2010/main" val="523688260"/>
+                <p14:modId xmlns:p14="http://schemas.microsoft.com/office/powerpoint/2010/main" val="959039123"/>
               </p:ext>
             </p:extLst>
           </p:nvPr>
@@ -4476,15 +4476,22 @@
                     <a:p>
                       <a:pPr algn="l" fontAlgn="b"/>
                       <a:r>
-                        <a:rPr lang="en-US" sz="2000" b="0" i="0" u="none" strike="noStrike" dirty="0">
+                        <a:rPr lang="en-US" sz="2000" b="1" dirty="0">
                           <a:solidFill>
-                            <a:srgbClr val="000000"/>
+                            <a:srgbClr val="376092"/>
                           </a:solidFill>
-                          <a:effectLst/>
-                          <a:latin typeface="Courier"/>
+                          <a:latin typeface="Courier New"/>
+                          <a:cs typeface="Courier New"/>
                         </a:rPr>
-                        <a:t>,</a:t>
+                        <a:t>'</a:t>
                       </a:r>
+                      <a:endParaRPr lang="en-US" sz="2000" b="0" i="0" u="none" strike="noStrike" dirty="0">
+                        <a:solidFill>
+                          <a:srgbClr val="000000"/>
+                        </a:solidFill>
+                        <a:effectLst/>
+                        <a:latin typeface="Courier"/>
+                      </a:endParaRPr>
                     </a:p>
                   </a:txBody>
                   <a:tcPr marL="12700" marR="12700" marT="12700" marB="0" anchor="b">
@@ -4540,15 +4547,22 @@
                     <a:p>
                       <a:pPr algn="l" fontAlgn="ctr"/>
                       <a:r>
-                        <a:rPr lang="pl-PL" sz="2000" b="0" i="0" u="none" strike="noStrike" dirty="0">
+                        <a:rPr lang="en-US" sz="2000" b="1" dirty="0">
                           <a:solidFill>
-                            <a:srgbClr val="000000"/>
+                            <a:srgbClr val="376092"/>
                           </a:solidFill>
-                          <a:effectLst/>
-                          <a:latin typeface="Courier"/>
+                          <a:latin typeface="Courier New"/>
+                          <a:cs typeface="Courier New"/>
                         </a:rPr>
-                        <a:t>,</a:t>
+                        <a:t>'</a:t>
                       </a:r>
+                      <a:endParaRPr lang="pl-PL" sz="2000" b="0" i="0" u="none" strike="noStrike" dirty="0">
+                        <a:solidFill>
+                          <a:srgbClr val="000000"/>
+                        </a:solidFill>
+                        <a:effectLst/>
+                        <a:latin typeface="Courier"/>
+                      </a:endParaRPr>
                     </a:p>
                   </a:txBody>
                   <a:tcPr marL="12700" marR="12700" marT="12700" marB="0" anchor="ctr">
@@ -5832,7 +5846,7 @@
         </p:spPr>
         <p:txBody>
           <a:bodyPr vert="horz" lIns="91440" tIns="45720" rIns="91440" bIns="45720" rtlCol="0">
-            <a:normAutofit fontScale="92500" lnSpcReduction="20000"/>
+            <a:normAutofit fontScale="85000" lnSpcReduction="20000"/>
           </a:bodyPr>
           <a:lstStyle>
             <a:lvl1pPr marL="342900" indent="-342900" algn="l" defTabSz="457200" rtl="0" eaLnBrk="1" latinLnBrk="0" hangingPunct="1">
@@ -5977,7 +5991,18 @@
             </a:pPr>
             <a:r>
               <a:rPr lang="en-US" dirty="0"/>
-              <a:t>+38 30.5’N</a:t>
+              <a:t>+38 30.5</a:t>
+            </a:r>
+            <a:r>
+              <a:rPr lang="en-US" sz="2400" b="1" dirty="0">
+                <a:latin typeface="Courier New"/>
+                <a:cs typeface="Courier New"/>
+              </a:rPr>
+              <a:t>'</a:t>
+            </a:r>
+            <a:r>
+              <a:rPr lang="en-US" dirty="0"/>
+              <a:t>N</a:t>
             </a:r>
           </a:p>
         </p:txBody>
@@ -5991,7 +6016,7 @@
           <p:nvPr>
             <p:extLst>
               <p:ext uri="{D42A27DB-BD31-4B8C-83A1-F6EECF244321}">
-                <p14:modId xmlns:p14="http://schemas.microsoft.com/office/powerpoint/2010/main" val="3606135643"/>
+                <p14:modId xmlns:p14="http://schemas.microsoft.com/office/powerpoint/2010/main" val="2640091772"/>
               </p:ext>
             </p:extLst>
           </p:nvPr>
@@ -6156,7 +6181,27 @@
                           <a:effectLst/>
                           <a:latin typeface="Courier"/>
                         </a:rPr>
-                        <a:t>(.\d+)\s(\d+\.\d)\’N</a:t>
+                        <a:t>(.\d+)\s(\d+\.\d)\</a:t>
+                      </a:r>
+                      <a:r>
+                        <a:rPr lang="en-US" sz="2000" b="1" dirty="0">
+                          <a:solidFill>
+                            <a:schemeClr val="tx1"/>
+                          </a:solidFill>
+                          <a:latin typeface="Courier New"/>
+                          <a:cs typeface="Courier New"/>
+                        </a:rPr>
+                        <a:t>'</a:t>
+                      </a:r>
+                      <a:r>
+                        <a:rPr lang="pl-PL" sz="2000" b="0" i="0" u="none" strike="noStrike" dirty="0">
+                          <a:solidFill>
+                            <a:srgbClr val="000000"/>
+                          </a:solidFill>
+                          <a:effectLst/>
+                          <a:latin typeface="Courier"/>
+                        </a:rPr>
+                        <a:t>N</a:t>
                       </a:r>
                     </a:p>
                   </a:txBody>
